--- a/presentation/システム設計書_MRI画像によるADHD予測システム_学習モデル.pptx
+++ b/presentation/システム設計書_MRI画像によるADHD予測システム_学習モデル.pptx
@@ -4,6 +4,9 @@
   <p:sldMasterIdLst>
     <p:sldMasterId id="2147483648" r:id="rId1"/>
   </p:sldMasterIdLst>
+  <p:notesMasterIdLst>
+    <p:notesMasterId r:id="rId12"/>
+  </p:notesMasterIdLst>
   <p:sldIdLst>
     <p:sldId id="257" r:id="rId2"/>
     <p:sldId id="258" r:id="rId3"/>
@@ -15,7 +18,6 @@
     <p:sldId id="268" r:id="rId9"/>
     <p:sldId id="269" r:id="rId10"/>
     <p:sldId id="263" r:id="rId11"/>
-    <p:sldId id="272" r:id="rId12"/>
   </p:sldIdLst>
   <p:sldSz cx="9144000" cy="6858000" type="screen4x3"/>
   <p:notesSz cx="6858000" cy="9144000"/>
@@ -133,6 +135,639 @@
 </p:presentation>
 </file>
 
+<file path=ppt/notesMasters/notesMaster1.xml><?xml version="1.0" encoding="utf-8"?>
+<p:notesMaster xmlns:a="http://schemas.openxmlformats.org/drawingml/2006/main" xmlns:r="http://schemas.openxmlformats.org/officeDocument/2006/relationships" xmlns:p="http://schemas.openxmlformats.org/presentationml/2006/main">
+  <p:cSld>
+    <p:bg>
+      <p:bgRef idx="1001">
+        <a:schemeClr val="bg1"/>
+      </p:bgRef>
+    </p:bg>
+    <p:spTree>
+      <p:nvGrpSpPr>
+        <p:cNvPr id="1" name=""/>
+        <p:cNvGrpSpPr/>
+        <p:nvPr/>
+      </p:nvGrpSpPr>
+      <p:grpSpPr>
+        <a:xfrm>
+          <a:off x="0" y="0"/>
+          <a:ext cx="0" cy="0"/>
+          <a:chOff x="0" y="0"/>
+          <a:chExt cx="0" cy="0"/>
+        </a:xfrm>
+      </p:grpSpPr>
+      <p:sp>
+        <p:nvSpPr>
+          <p:cNvPr id="2" name="ヘッダー プレースホルダー 1"/>
+          <p:cNvSpPr>
+            <a:spLocks noGrp="1"/>
+          </p:cNvSpPr>
+          <p:nvPr>
+            <p:ph type="hdr" sz="quarter"/>
+          </p:nvPr>
+        </p:nvSpPr>
+        <p:spPr>
+          <a:xfrm>
+            <a:off x="0" y="0"/>
+            <a:ext cx="2971800" cy="458788"/>
+          </a:xfrm>
+          <a:prstGeom prst="rect">
+            <a:avLst/>
+          </a:prstGeom>
+        </p:spPr>
+        <p:txBody>
+          <a:bodyPr vert="horz" lIns="91440" tIns="45720" rIns="91440" bIns="45720" rtlCol="0"/>
+          <a:lstStyle>
+            <a:lvl1pPr algn="l">
+              <a:defRPr sz="1200"/>
+            </a:lvl1pPr>
+          </a:lstStyle>
+          <a:p>
+            <a:endParaRPr kumimoji="1" lang="ja-JP" altLang="en-US"/>
+          </a:p>
+        </p:txBody>
+      </p:sp>
+      <p:sp>
+        <p:nvSpPr>
+          <p:cNvPr id="3" name="日付プレースホルダー 2"/>
+          <p:cNvSpPr>
+            <a:spLocks noGrp="1"/>
+          </p:cNvSpPr>
+          <p:nvPr>
+            <p:ph type="dt" idx="1"/>
+          </p:nvPr>
+        </p:nvSpPr>
+        <p:spPr>
+          <a:xfrm>
+            <a:off x="3884613" y="0"/>
+            <a:ext cx="2971800" cy="458788"/>
+          </a:xfrm>
+          <a:prstGeom prst="rect">
+            <a:avLst/>
+          </a:prstGeom>
+        </p:spPr>
+        <p:txBody>
+          <a:bodyPr vert="horz" lIns="91440" tIns="45720" rIns="91440" bIns="45720" rtlCol="0"/>
+          <a:lstStyle>
+            <a:lvl1pPr algn="r">
+              <a:defRPr sz="1200"/>
+            </a:lvl1pPr>
+          </a:lstStyle>
+          <a:p>
+            <a:fld id="{335E9F00-1CA1-FC47-8555-9C8963B854A3}" type="datetimeFigureOut">
+              <a:rPr kumimoji="1" lang="ja-JP" altLang="en-US" smtClean="0"/>
+              <a:t>2018/5/5</a:t>
+            </a:fld>
+            <a:endParaRPr kumimoji="1" lang="ja-JP" altLang="en-US"/>
+          </a:p>
+        </p:txBody>
+      </p:sp>
+      <p:sp>
+        <p:nvSpPr>
+          <p:cNvPr id="4" name="スライド イメージ プレースホルダー 3"/>
+          <p:cNvSpPr>
+            <a:spLocks noGrp="1" noRot="1" noChangeAspect="1"/>
+          </p:cNvSpPr>
+          <p:nvPr>
+            <p:ph type="sldImg" idx="2"/>
+          </p:nvPr>
+        </p:nvSpPr>
+        <p:spPr>
+          <a:xfrm>
+            <a:off x="1371600" y="1143000"/>
+            <a:ext cx="4114800" cy="3086100"/>
+          </a:xfrm>
+          <a:prstGeom prst="rect">
+            <a:avLst/>
+          </a:prstGeom>
+          <a:noFill/>
+          <a:ln w="12700">
+            <a:solidFill>
+              <a:prstClr val="black"/>
+            </a:solidFill>
+          </a:ln>
+        </p:spPr>
+        <p:txBody>
+          <a:bodyPr vert="horz" lIns="91440" tIns="45720" rIns="91440" bIns="45720" rtlCol="0" anchor="ctr"/>
+          <a:lstStyle/>
+          <a:p>
+            <a:endParaRPr lang="ja-JP" altLang="en-US"/>
+          </a:p>
+        </p:txBody>
+      </p:sp>
+      <p:sp>
+        <p:nvSpPr>
+          <p:cNvPr id="5" name="ノート プレースホルダー 4"/>
+          <p:cNvSpPr>
+            <a:spLocks noGrp="1"/>
+          </p:cNvSpPr>
+          <p:nvPr>
+            <p:ph type="body" sz="quarter" idx="3"/>
+          </p:nvPr>
+        </p:nvSpPr>
+        <p:spPr>
+          <a:xfrm>
+            <a:off x="685800" y="4400550"/>
+            <a:ext cx="5486400" cy="3600450"/>
+          </a:xfrm>
+          <a:prstGeom prst="rect">
+            <a:avLst/>
+          </a:prstGeom>
+        </p:spPr>
+        <p:txBody>
+          <a:bodyPr vert="horz" lIns="91440" tIns="45720" rIns="91440" bIns="45720" rtlCol="0"/>
+          <a:lstStyle/>
+          <a:p>
+            <a:pPr lvl="0"/>
+            <a:r>
+              <a:rPr kumimoji="1" lang="ja-JP" altLang="en-US"/>
+              <a:t>マスター テキストの書式設定</a:t>
+            </a:r>
+          </a:p>
+          <a:p>
+            <a:pPr lvl="1"/>
+            <a:r>
+              <a:rPr kumimoji="1" lang="ja-JP" altLang="en-US"/>
+              <a:t>第 </a:t>
+            </a:r>
+            <a:r>
+              <a:rPr kumimoji="1" lang="en-US" altLang="ja-JP"/>
+              <a:t>2 </a:t>
+            </a:r>
+            <a:r>
+              <a:rPr kumimoji="1" lang="ja-JP" altLang="en-US"/>
+              <a:t>レベル</a:t>
+            </a:r>
+          </a:p>
+          <a:p>
+            <a:pPr lvl="2"/>
+            <a:r>
+              <a:rPr kumimoji="1" lang="ja-JP" altLang="en-US"/>
+              <a:t>第 </a:t>
+            </a:r>
+            <a:r>
+              <a:rPr kumimoji="1" lang="en-US" altLang="ja-JP"/>
+              <a:t>3 </a:t>
+            </a:r>
+            <a:r>
+              <a:rPr kumimoji="1" lang="ja-JP" altLang="en-US"/>
+              <a:t>レベル</a:t>
+            </a:r>
+          </a:p>
+          <a:p>
+            <a:pPr lvl="3"/>
+            <a:r>
+              <a:rPr kumimoji="1" lang="ja-JP" altLang="en-US"/>
+              <a:t>第 </a:t>
+            </a:r>
+            <a:r>
+              <a:rPr kumimoji="1" lang="en-US" altLang="ja-JP"/>
+              <a:t>4 </a:t>
+            </a:r>
+            <a:r>
+              <a:rPr kumimoji="1" lang="ja-JP" altLang="en-US"/>
+              <a:t>レベル</a:t>
+            </a:r>
+          </a:p>
+          <a:p>
+            <a:pPr lvl="4"/>
+            <a:r>
+              <a:rPr kumimoji="1" lang="ja-JP" altLang="en-US"/>
+              <a:t>第 </a:t>
+            </a:r>
+            <a:r>
+              <a:rPr kumimoji="1" lang="en-US" altLang="ja-JP"/>
+              <a:t>5 </a:t>
+            </a:r>
+            <a:r>
+              <a:rPr kumimoji="1" lang="ja-JP" altLang="en-US"/>
+              <a:t>レベル</a:t>
+            </a:r>
+          </a:p>
+        </p:txBody>
+      </p:sp>
+      <p:sp>
+        <p:nvSpPr>
+          <p:cNvPr id="6" name="フッター プレースホルダー 5"/>
+          <p:cNvSpPr>
+            <a:spLocks noGrp="1"/>
+          </p:cNvSpPr>
+          <p:nvPr>
+            <p:ph type="ftr" sz="quarter" idx="4"/>
+          </p:nvPr>
+        </p:nvSpPr>
+        <p:spPr>
+          <a:xfrm>
+            <a:off x="0" y="8685213"/>
+            <a:ext cx="2971800" cy="458787"/>
+          </a:xfrm>
+          <a:prstGeom prst="rect">
+            <a:avLst/>
+          </a:prstGeom>
+        </p:spPr>
+        <p:txBody>
+          <a:bodyPr vert="horz" lIns="91440" tIns="45720" rIns="91440" bIns="45720" rtlCol="0" anchor="b"/>
+          <a:lstStyle>
+            <a:lvl1pPr algn="l">
+              <a:defRPr sz="1200"/>
+            </a:lvl1pPr>
+          </a:lstStyle>
+          <a:p>
+            <a:endParaRPr kumimoji="1" lang="ja-JP" altLang="en-US"/>
+          </a:p>
+        </p:txBody>
+      </p:sp>
+      <p:sp>
+        <p:nvSpPr>
+          <p:cNvPr id="7" name="スライド番号プレースホルダー 6"/>
+          <p:cNvSpPr>
+            <a:spLocks noGrp="1"/>
+          </p:cNvSpPr>
+          <p:nvPr>
+            <p:ph type="sldNum" sz="quarter" idx="5"/>
+          </p:nvPr>
+        </p:nvSpPr>
+        <p:spPr>
+          <a:xfrm>
+            <a:off x="3884613" y="8685213"/>
+            <a:ext cx="2971800" cy="458787"/>
+          </a:xfrm>
+          <a:prstGeom prst="rect">
+            <a:avLst/>
+          </a:prstGeom>
+        </p:spPr>
+        <p:txBody>
+          <a:bodyPr vert="horz" lIns="91440" tIns="45720" rIns="91440" bIns="45720" rtlCol="0" anchor="b"/>
+          <a:lstStyle>
+            <a:lvl1pPr algn="r">
+              <a:defRPr sz="1200"/>
+            </a:lvl1pPr>
+          </a:lstStyle>
+          <a:p>
+            <a:fld id="{B66FB85D-A1F4-2349-B06D-C76753D50186}" type="slidenum">
+              <a:rPr kumimoji="1" lang="ja-JP" altLang="en-US" smtClean="0"/>
+              <a:t>‹#›</a:t>
+            </a:fld>
+            <a:endParaRPr kumimoji="1" lang="ja-JP" altLang="en-US"/>
+          </a:p>
+        </p:txBody>
+      </p:sp>
+    </p:spTree>
+    <p:extLst>
+      <p:ext uri="{BB962C8B-B14F-4D97-AF65-F5344CB8AC3E}">
+        <p14:creationId xmlns:p14="http://schemas.microsoft.com/office/powerpoint/2010/main" val="559292391"/>
+      </p:ext>
+    </p:extLst>
+  </p:cSld>
+  <p:clrMap bg1="lt1" tx1="dk1" bg2="lt2" tx2="dk2" accent1="accent1" accent2="accent2" accent3="accent3" accent4="accent4" accent5="accent5" accent6="accent6" hlink="hlink" folHlink="folHlink"/>
+  <p:notesStyle>
+    <a:lvl1pPr marL="0" algn="l" defTabSz="914400" rtl="0" eaLnBrk="1" latinLnBrk="0" hangingPunct="1">
+      <a:defRPr kumimoji="1" sz="1200" kern="1200">
+        <a:solidFill>
+          <a:schemeClr val="tx1"/>
+        </a:solidFill>
+        <a:latin typeface="+mn-lt"/>
+        <a:ea typeface="+mn-ea"/>
+        <a:cs typeface="+mn-cs"/>
+      </a:defRPr>
+    </a:lvl1pPr>
+    <a:lvl2pPr marL="457200" algn="l" defTabSz="914400" rtl="0" eaLnBrk="1" latinLnBrk="0" hangingPunct="1">
+      <a:defRPr kumimoji="1" sz="1200" kern="1200">
+        <a:solidFill>
+          <a:schemeClr val="tx1"/>
+        </a:solidFill>
+        <a:latin typeface="+mn-lt"/>
+        <a:ea typeface="+mn-ea"/>
+        <a:cs typeface="+mn-cs"/>
+      </a:defRPr>
+    </a:lvl2pPr>
+    <a:lvl3pPr marL="914400" algn="l" defTabSz="914400" rtl="0" eaLnBrk="1" latinLnBrk="0" hangingPunct="1">
+      <a:defRPr kumimoji="1" sz="1200" kern="1200">
+        <a:solidFill>
+          <a:schemeClr val="tx1"/>
+        </a:solidFill>
+        <a:latin typeface="+mn-lt"/>
+        <a:ea typeface="+mn-ea"/>
+        <a:cs typeface="+mn-cs"/>
+      </a:defRPr>
+    </a:lvl3pPr>
+    <a:lvl4pPr marL="1371600" algn="l" defTabSz="914400" rtl="0" eaLnBrk="1" latinLnBrk="0" hangingPunct="1">
+      <a:defRPr kumimoji="1" sz="1200" kern="1200">
+        <a:solidFill>
+          <a:schemeClr val="tx1"/>
+        </a:solidFill>
+        <a:latin typeface="+mn-lt"/>
+        <a:ea typeface="+mn-ea"/>
+        <a:cs typeface="+mn-cs"/>
+      </a:defRPr>
+    </a:lvl4pPr>
+    <a:lvl5pPr marL="1828800" algn="l" defTabSz="914400" rtl="0" eaLnBrk="1" latinLnBrk="0" hangingPunct="1">
+      <a:defRPr kumimoji="1" sz="1200" kern="1200">
+        <a:solidFill>
+          <a:schemeClr val="tx1"/>
+        </a:solidFill>
+        <a:latin typeface="+mn-lt"/>
+        <a:ea typeface="+mn-ea"/>
+        <a:cs typeface="+mn-cs"/>
+      </a:defRPr>
+    </a:lvl5pPr>
+    <a:lvl6pPr marL="2286000" algn="l" defTabSz="914400" rtl="0" eaLnBrk="1" latinLnBrk="0" hangingPunct="1">
+      <a:defRPr kumimoji="1" sz="1200" kern="1200">
+        <a:solidFill>
+          <a:schemeClr val="tx1"/>
+        </a:solidFill>
+        <a:latin typeface="+mn-lt"/>
+        <a:ea typeface="+mn-ea"/>
+        <a:cs typeface="+mn-cs"/>
+      </a:defRPr>
+    </a:lvl6pPr>
+    <a:lvl7pPr marL="2743200" algn="l" defTabSz="914400" rtl="0" eaLnBrk="1" latinLnBrk="0" hangingPunct="1">
+      <a:defRPr kumimoji="1" sz="1200" kern="1200">
+        <a:solidFill>
+          <a:schemeClr val="tx1"/>
+        </a:solidFill>
+        <a:latin typeface="+mn-lt"/>
+        <a:ea typeface="+mn-ea"/>
+        <a:cs typeface="+mn-cs"/>
+      </a:defRPr>
+    </a:lvl7pPr>
+    <a:lvl8pPr marL="3200400" algn="l" defTabSz="914400" rtl="0" eaLnBrk="1" latinLnBrk="0" hangingPunct="1">
+      <a:defRPr kumimoji="1" sz="1200" kern="1200">
+        <a:solidFill>
+          <a:schemeClr val="tx1"/>
+        </a:solidFill>
+        <a:latin typeface="+mn-lt"/>
+        <a:ea typeface="+mn-ea"/>
+        <a:cs typeface="+mn-cs"/>
+      </a:defRPr>
+    </a:lvl8pPr>
+    <a:lvl9pPr marL="3657600" algn="l" defTabSz="914400" rtl="0" eaLnBrk="1" latinLnBrk="0" hangingPunct="1">
+      <a:defRPr kumimoji="1" sz="1200" kern="1200">
+        <a:solidFill>
+          <a:schemeClr val="tx1"/>
+        </a:solidFill>
+        <a:latin typeface="+mn-lt"/>
+        <a:ea typeface="+mn-ea"/>
+        <a:cs typeface="+mn-cs"/>
+      </a:defRPr>
+    </a:lvl9pPr>
+  </p:notesStyle>
+</p:notesMaster>
+</file>
+
+<file path=ppt/notesSlides/notesSlide1.xml><?xml version="1.0" encoding="utf-8"?>
+<p:notes xmlns:a="http://schemas.openxmlformats.org/drawingml/2006/main" xmlns:r="http://schemas.openxmlformats.org/officeDocument/2006/relationships" xmlns:p="http://schemas.openxmlformats.org/presentationml/2006/main">
+  <p:cSld>
+    <p:spTree>
+      <p:nvGrpSpPr>
+        <p:cNvPr id="1" name=""/>
+        <p:cNvGrpSpPr/>
+        <p:nvPr/>
+      </p:nvGrpSpPr>
+      <p:grpSpPr>
+        <a:xfrm>
+          <a:off x="0" y="0"/>
+          <a:ext cx="0" cy="0"/>
+          <a:chOff x="0" y="0"/>
+          <a:chExt cx="0" cy="0"/>
+        </a:xfrm>
+      </p:grpSpPr>
+      <p:sp>
+        <p:nvSpPr>
+          <p:cNvPr id="2" name="スライド イメージ プレースホルダー 1"/>
+          <p:cNvSpPr>
+            <a:spLocks noGrp="1" noRot="1" noChangeAspect="1"/>
+          </p:cNvSpPr>
+          <p:nvPr>
+            <p:ph type="sldImg"/>
+          </p:nvPr>
+        </p:nvSpPr>
+        <p:spPr/>
+      </p:sp>
+      <p:sp>
+        <p:nvSpPr>
+          <p:cNvPr id="3" name="ノート プレースホルダー 2"/>
+          <p:cNvSpPr>
+            <a:spLocks noGrp="1"/>
+          </p:cNvSpPr>
+          <p:nvPr>
+            <p:ph type="body" idx="1"/>
+          </p:nvPr>
+        </p:nvSpPr>
+        <p:spPr/>
+        <p:txBody>
+          <a:bodyPr/>
+          <a:lstStyle/>
+          <a:p>
+            <a:endParaRPr kumimoji="1" lang="ja-JP" altLang="en-US"/>
+          </a:p>
+        </p:txBody>
+      </p:sp>
+      <p:sp>
+        <p:nvSpPr>
+          <p:cNvPr id="4" name="スライド番号プレースホルダー 3"/>
+          <p:cNvSpPr>
+            <a:spLocks noGrp="1"/>
+          </p:cNvSpPr>
+          <p:nvPr>
+            <p:ph type="sldNum" sz="quarter" idx="10"/>
+          </p:nvPr>
+        </p:nvSpPr>
+        <p:spPr/>
+        <p:txBody>
+          <a:bodyPr/>
+          <a:lstStyle/>
+          <a:p>
+            <a:fld id="{B66FB85D-A1F4-2349-B06D-C76753D50186}" type="slidenum">
+              <a:rPr kumimoji="1" lang="ja-JP" altLang="en-US" smtClean="0"/>
+              <a:t>2</a:t>
+            </a:fld>
+            <a:endParaRPr kumimoji="1" lang="ja-JP" altLang="en-US"/>
+          </a:p>
+        </p:txBody>
+      </p:sp>
+    </p:spTree>
+    <p:extLst>
+      <p:ext uri="{BB962C8B-B14F-4D97-AF65-F5344CB8AC3E}">
+        <p14:creationId xmlns:p14="http://schemas.microsoft.com/office/powerpoint/2010/main" val="3456313140"/>
+      </p:ext>
+    </p:extLst>
+  </p:cSld>
+  <p:clrMapOvr>
+    <a:masterClrMapping/>
+  </p:clrMapOvr>
+</p:notes>
+</file>
+
+<file path=ppt/notesSlides/notesSlide2.xml><?xml version="1.0" encoding="utf-8"?>
+<p:notes xmlns:a="http://schemas.openxmlformats.org/drawingml/2006/main" xmlns:r="http://schemas.openxmlformats.org/officeDocument/2006/relationships" xmlns:p="http://schemas.openxmlformats.org/presentationml/2006/main">
+  <p:cSld>
+    <p:spTree>
+      <p:nvGrpSpPr>
+        <p:cNvPr id="1" name=""/>
+        <p:cNvGrpSpPr/>
+        <p:nvPr/>
+      </p:nvGrpSpPr>
+      <p:grpSpPr>
+        <a:xfrm>
+          <a:off x="0" y="0"/>
+          <a:ext cx="0" cy="0"/>
+          <a:chOff x="0" y="0"/>
+          <a:chExt cx="0" cy="0"/>
+        </a:xfrm>
+      </p:grpSpPr>
+      <p:sp>
+        <p:nvSpPr>
+          <p:cNvPr id="2" name="スライド イメージ プレースホルダー 1"/>
+          <p:cNvSpPr>
+            <a:spLocks noGrp="1" noRot="1" noChangeAspect="1"/>
+          </p:cNvSpPr>
+          <p:nvPr>
+            <p:ph type="sldImg"/>
+          </p:nvPr>
+        </p:nvSpPr>
+        <p:spPr/>
+      </p:sp>
+      <p:sp>
+        <p:nvSpPr>
+          <p:cNvPr id="3" name="ノート プレースホルダー 2"/>
+          <p:cNvSpPr>
+            <a:spLocks noGrp="1"/>
+          </p:cNvSpPr>
+          <p:nvPr>
+            <p:ph type="body" idx="1"/>
+          </p:nvPr>
+        </p:nvSpPr>
+        <p:spPr/>
+        <p:txBody>
+          <a:bodyPr/>
+          <a:lstStyle/>
+          <a:p>
+            <a:endParaRPr kumimoji="1" lang="ja-JP" altLang="en-US"/>
+          </a:p>
+        </p:txBody>
+      </p:sp>
+      <p:sp>
+        <p:nvSpPr>
+          <p:cNvPr id="4" name="スライド番号プレースホルダー 3"/>
+          <p:cNvSpPr>
+            <a:spLocks noGrp="1"/>
+          </p:cNvSpPr>
+          <p:nvPr>
+            <p:ph type="sldNum" sz="quarter" idx="10"/>
+          </p:nvPr>
+        </p:nvSpPr>
+        <p:spPr/>
+        <p:txBody>
+          <a:bodyPr/>
+          <a:lstStyle/>
+          <a:p>
+            <a:fld id="{B66FB85D-A1F4-2349-B06D-C76753D50186}" type="slidenum">
+              <a:rPr kumimoji="1" lang="ja-JP" altLang="en-US" smtClean="0"/>
+              <a:t>3</a:t>
+            </a:fld>
+            <a:endParaRPr kumimoji="1" lang="ja-JP" altLang="en-US"/>
+          </a:p>
+        </p:txBody>
+      </p:sp>
+    </p:spTree>
+    <p:extLst>
+      <p:ext uri="{BB962C8B-B14F-4D97-AF65-F5344CB8AC3E}">
+        <p14:creationId xmlns:p14="http://schemas.microsoft.com/office/powerpoint/2010/main" val="1228262597"/>
+      </p:ext>
+    </p:extLst>
+  </p:cSld>
+  <p:clrMapOvr>
+    <a:masterClrMapping/>
+  </p:clrMapOvr>
+</p:notes>
+</file>
+
+<file path=ppt/notesSlides/notesSlide3.xml><?xml version="1.0" encoding="utf-8"?>
+<p:notes xmlns:a="http://schemas.openxmlformats.org/drawingml/2006/main" xmlns:r="http://schemas.openxmlformats.org/officeDocument/2006/relationships" xmlns:p="http://schemas.openxmlformats.org/presentationml/2006/main">
+  <p:cSld>
+    <p:spTree>
+      <p:nvGrpSpPr>
+        <p:cNvPr id="1" name=""/>
+        <p:cNvGrpSpPr/>
+        <p:nvPr/>
+      </p:nvGrpSpPr>
+      <p:grpSpPr>
+        <a:xfrm>
+          <a:off x="0" y="0"/>
+          <a:ext cx="0" cy="0"/>
+          <a:chOff x="0" y="0"/>
+          <a:chExt cx="0" cy="0"/>
+        </a:xfrm>
+      </p:grpSpPr>
+      <p:sp>
+        <p:nvSpPr>
+          <p:cNvPr id="2" name="スライド イメージ プレースホルダー 1"/>
+          <p:cNvSpPr>
+            <a:spLocks noGrp="1" noRot="1" noChangeAspect="1"/>
+          </p:cNvSpPr>
+          <p:nvPr>
+            <p:ph type="sldImg"/>
+          </p:nvPr>
+        </p:nvSpPr>
+        <p:spPr/>
+      </p:sp>
+      <p:sp>
+        <p:nvSpPr>
+          <p:cNvPr id="3" name="ノート プレースホルダー 2"/>
+          <p:cNvSpPr>
+            <a:spLocks noGrp="1"/>
+          </p:cNvSpPr>
+          <p:nvPr>
+            <p:ph type="body" idx="1"/>
+          </p:nvPr>
+        </p:nvSpPr>
+        <p:spPr/>
+        <p:txBody>
+          <a:bodyPr/>
+          <a:lstStyle/>
+          <a:p>
+            <a:endParaRPr kumimoji="1" lang="ja-JP" altLang="en-US"/>
+          </a:p>
+        </p:txBody>
+      </p:sp>
+      <p:sp>
+        <p:nvSpPr>
+          <p:cNvPr id="4" name="スライド番号プレースホルダー 3"/>
+          <p:cNvSpPr>
+            <a:spLocks noGrp="1"/>
+          </p:cNvSpPr>
+          <p:nvPr>
+            <p:ph type="sldNum" sz="quarter" idx="10"/>
+          </p:nvPr>
+        </p:nvSpPr>
+        <p:spPr/>
+        <p:txBody>
+          <a:bodyPr/>
+          <a:lstStyle/>
+          <a:p>
+            <a:fld id="{B66FB85D-A1F4-2349-B06D-C76753D50186}" type="slidenum">
+              <a:rPr kumimoji="1" lang="ja-JP" altLang="en-US" smtClean="0"/>
+              <a:t>4</a:t>
+            </a:fld>
+            <a:endParaRPr kumimoji="1" lang="ja-JP" altLang="en-US"/>
+          </a:p>
+        </p:txBody>
+      </p:sp>
+    </p:spTree>
+    <p:extLst>
+      <p:ext uri="{BB962C8B-B14F-4D97-AF65-F5344CB8AC3E}">
+        <p14:creationId xmlns:p14="http://schemas.microsoft.com/office/powerpoint/2010/main" val="1848107423"/>
+      </p:ext>
+    </p:extLst>
+  </p:cSld>
+  <p:clrMapOvr>
+    <a:masterClrMapping/>
+  </p:clrMapOvr>
+</p:notes>
+</file>
+
 <file path=ppt/slideLayouts/slideLayout1.xml><?xml version="1.0" encoding="utf-8"?>
 <p:sldLayout xmlns:a="http://schemas.openxmlformats.org/drawingml/2006/main" xmlns:r="http://schemas.openxmlformats.org/officeDocument/2006/relationships" xmlns:p="http://schemas.openxmlformats.org/presentationml/2006/main" type="title" preserve="1">
   <p:cSld name="タイトル スライド">
@@ -312,7 +947,7 @@
           <a:p>
             <a:fld id="{E90ED720-0104-4369-84BC-D37694168613}" type="datetimeFigureOut">
               <a:rPr kumimoji="1" lang="ja-JP" altLang="en-US" smtClean="0"/>
-              <a:t>2018/5/4</a:t>
+              <a:t>2018/5/5</a:t>
             </a:fld>
             <a:endParaRPr kumimoji="1" lang="ja-JP" altLang="en-US"/>
           </a:p>
@@ -507,7 +1142,7 @@
           <a:p>
             <a:fld id="{E90ED720-0104-4369-84BC-D37694168613}" type="datetimeFigureOut">
               <a:rPr kumimoji="1" lang="ja-JP" altLang="en-US" smtClean="0"/>
-              <a:t>2018/5/4</a:t>
+              <a:t>2018/5/5</a:t>
             </a:fld>
             <a:endParaRPr kumimoji="1" lang="ja-JP" altLang="en-US"/>
           </a:p>
@@ -712,7 +1347,7 @@
           <a:p>
             <a:fld id="{E90ED720-0104-4369-84BC-D37694168613}" type="datetimeFigureOut">
               <a:rPr kumimoji="1" lang="ja-JP" altLang="en-US" smtClean="0"/>
-              <a:t>2018/5/4</a:t>
+              <a:t>2018/5/5</a:t>
             </a:fld>
             <a:endParaRPr kumimoji="1" lang="ja-JP" altLang="en-US"/>
           </a:p>
@@ -907,7 +1542,7 @@
           <a:p>
             <a:fld id="{E90ED720-0104-4369-84BC-D37694168613}" type="datetimeFigureOut">
               <a:rPr kumimoji="1" lang="ja-JP" altLang="en-US" smtClean="0"/>
-              <a:t>2018/5/4</a:t>
+              <a:t>2018/5/5</a:t>
             </a:fld>
             <a:endParaRPr kumimoji="1" lang="ja-JP" altLang="en-US"/>
           </a:p>
@@ -1147,7 +1782,7 @@
           <a:p>
             <a:fld id="{E90ED720-0104-4369-84BC-D37694168613}" type="datetimeFigureOut">
               <a:rPr kumimoji="1" lang="ja-JP" altLang="en-US" smtClean="0"/>
-              <a:t>2018/5/4</a:t>
+              <a:t>2018/5/5</a:t>
             </a:fld>
             <a:endParaRPr kumimoji="1" lang="ja-JP" altLang="en-US"/>
           </a:p>
@@ -1491,7 +2126,7 @@
           <a:p>
             <a:fld id="{E90ED720-0104-4369-84BC-D37694168613}" type="datetimeFigureOut">
               <a:rPr kumimoji="1" lang="ja-JP" altLang="en-US" smtClean="0"/>
-              <a:t>2018/5/4</a:t>
+              <a:t>2018/5/5</a:t>
             </a:fld>
             <a:endParaRPr kumimoji="1" lang="ja-JP" altLang="en-US"/>
           </a:p>
@@ -1969,7 +2604,7 @@
           <a:p>
             <a:fld id="{E90ED720-0104-4369-84BC-D37694168613}" type="datetimeFigureOut">
               <a:rPr kumimoji="1" lang="ja-JP" altLang="en-US" smtClean="0"/>
-              <a:t>2018/5/4</a:t>
+              <a:t>2018/5/5</a:t>
             </a:fld>
             <a:endParaRPr kumimoji="1" lang="ja-JP" altLang="en-US"/>
           </a:p>
@@ -2081,7 +2716,7 @@
           <a:p>
             <a:fld id="{E90ED720-0104-4369-84BC-D37694168613}" type="datetimeFigureOut">
               <a:rPr kumimoji="1" lang="ja-JP" altLang="en-US" smtClean="0"/>
-              <a:t>2018/5/4</a:t>
+              <a:t>2018/5/5</a:t>
             </a:fld>
             <a:endParaRPr kumimoji="1" lang="ja-JP" altLang="en-US"/>
           </a:p>
@@ -2171,7 +2806,7 @@
           <a:p>
             <a:fld id="{E90ED720-0104-4369-84BC-D37694168613}" type="datetimeFigureOut">
               <a:rPr kumimoji="1" lang="ja-JP" altLang="en-US" smtClean="0"/>
-              <a:t>2018/5/4</a:t>
+              <a:t>2018/5/5</a:t>
             </a:fld>
             <a:endParaRPr kumimoji="1" lang="ja-JP" altLang="en-US"/>
           </a:p>
@@ -2473,7 +3108,7 @@
           <a:p>
             <a:fld id="{E90ED720-0104-4369-84BC-D37694168613}" type="datetimeFigureOut">
               <a:rPr kumimoji="1" lang="ja-JP" altLang="en-US" smtClean="0"/>
-              <a:t>2018/5/4</a:t>
+              <a:t>2018/5/5</a:t>
             </a:fld>
             <a:endParaRPr kumimoji="1" lang="ja-JP" altLang="en-US"/>
           </a:p>
@@ -2720,7 +3355,7 @@
           <a:p>
             <a:fld id="{E90ED720-0104-4369-84BC-D37694168613}" type="datetimeFigureOut">
               <a:rPr kumimoji="1" lang="ja-JP" altLang="en-US" smtClean="0"/>
-              <a:t>2018/5/4</a:t>
+              <a:t>2018/5/5</a:t>
             </a:fld>
             <a:endParaRPr kumimoji="1" lang="ja-JP" altLang="en-US"/>
           </a:p>
@@ -2958,7 +3593,7 @@
           <a:p>
             <a:fld id="{E90ED720-0104-4369-84BC-D37694168613}" type="datetimeFigureOut">
               <a:rPr kumimoji="1" lang="ja-JP" altLang="en-US" smtClean="0"/>
-              <a:t>2018/5/4</a:t>
+              <a:t>2018/5/5</a:t>
             </a:fld>
             <a:endParaRPr kumimoji="1" lang="ja-JP" altLang="en-US"/>
           </a:p>
@@ -3539,10 +4174,7 @@
           </a:bodyPr>
           <a:lstStyle/>
           <a:p>
-            <a:pPr marL="285750" indent="-285750" algn="l">
-              <a:buFont typeface="Arial" panose="020B0604020202020204" pitchFamily="34" charset="0"/>
-              <a:buChar char="•"/>
-            </a:pPr>
+            <a:pPr algn="l"/>
             <a:r>
               <a:rPr lang="en-US" altLang="ja-JP" sz="1800" b="1" dirty="0"/>
               <a:t>7. </a:t>
@@ -3643,25 +4275,6 @@
             <a:br>
               <a:rPr lang="en-US" altLang="ja-JP" sz="1800" dirty="0"/>
             </a:br>
-            <a:r>
-              <a:rPr lang="ja-JP" altLang="en-US" sz="1200"/>
-              <a:t>メインで利用するものは下記</a:t>
-            </a:r>
-            <a:r>
-              <a:rPr lang="en-US" altLang="ja-JP" sz="1200" dirty="0"/>
-              <a:t>[M]</a:t>
-            </a:r>
-            <a:r>
-              <a:rPr lang="ja-JP" altLang="en-US" sz="1200"/>
-              <a:t>マーク、サブ的に利用するものは</a:t>
-            </a:r>
-            <a:r>
-              <a:rPr lang="en-US" altLang="ja-JP" sz="1200" dirty="0"/>
-              <a:t>[S]</a:t>
-            </a:r>
-            <a:br>
-              <a:rPr lang="en-US" altLang="ja-JP" sz="1200" dirty="0"/>
-            </a:br>
             <a:br>
               <a:rPr lang="en-US" altLang="ja-JP" sz="1200" dirty="0"/>
             </a:br>
@@ -3673,12 +4286,20 @@
               <a:rPr lang="ja-JP" altLang="en-US" sz="1200"/>
               <a:t>論文</a:t>
             </a:r>
-            <a:br>
-              <a:rPr lang="en-US" altLang="ja-JP" sz="1200" dirty="0"/>
-            </a:br>
-            <a:r>
-              <a:rPr lang="en-US" altLang="ja-JP" sz="1200" dirty="0"/>
-              <a:t>    [M] </a:t>
+            <a:r>
+              <a:rPr lang="en-US" altLang="ja-JP" sz="1200" dirty="0"/>
+              <a:t> – </a:t>
+            </a:r>
+            <a:r>
+              <a:rPr lang="en-US" altLang="ja-JP" sz="1200" i="1" dirty="0"/>
+              <a:t>IEEE Xplore Digital Library</a:t>
+            </a:r>
+            <a:br>
+              <a:rPr lang="en-US" altLang="ja-JP" sz="1200" i="1" dirty="0"/>
+            </a:br>
+            <a:r>
+              <a:rPr lang="en-US" altLang="ja-JP" sz="1200" dirty="0"/>
+              <a:t>    </a:t>
             </a:r>
             <a:r>
               <a:rPr lang="en-US" altLang="ja-JP" sz="1200" dirty="0">
@@ -3695,299 +4316,210 @@
             </a:r>
             <a:r>
               <a:rPr lang="ja-JP" altLang="en-US" sz="1200"/>
-              <a:t>脳画像イメージ情報提供サイト</a:t>
-            </a:r>
-            <a:br>
-              <a:rPr lang="en-US" altLang="ja-JP" sz="1200" dirty="0"/>
-            </a:br>
-            <a:r>
-              <a:rPr lang="en-US" altLang="ja-JP" sz="1200" dirty="0"/>
-              <a:t>8-2-1. </a:t>
-            </a:r>
-            <a:r>
-              <a:rPr lang="ja-JP" altLang="en-US" sz="1200"/>
-              <a:t>脳画像イメージのツールやデータセット提供サイト</a:t>
-            </a:r>
-            <a:r>
-              <a:rPr lang="en-US" altLang="ja-JP" sz="1200" dirty="0"/>
-              <a:t> – NITRC</a:t>
-            </a:r>
-            <a:br>
-              <a:rPr lang="en-US" altLang="ja-JP" sz="1200" dirty="0"/>
-            </a:br>
-            <a:r>
-              <a:rPr lang="en-US" altLang="ja-JP" sz="1200" dirty="0"/>
-              <a:t>    [S] </a:t>
+              <a:t>脳画像データセット</a:t>
+            </a:r>
+            <a:r>
+              <a:rPr lang="en-US" altLang="ja-JP" sz="1200" dirty="0"/>
+              <a:t> – </a:t>
+            </a:r>
+            <a:r>
+              <a:rPr lang="en-US" altLang="ja-JP" sz="1200" i="1" dirty="0"/>
+              <a:t>The R-fMRI Maps Project</a:t>
+            </a:r>
+            <a:br>
+              <a:rPr lang="en-US" altLang="ja-JP" sz="1200" dirty="0"/>
+            </a:br>
+            <a:r>
+              <a:rPr lang="en-US" altLang="ja-JP" sz="1200" dirty="0"/>
+              <a:t>    </a:t>
             </a:r>
             <a:r>
               <a:rPr lang="en-US" altLang="ja-JP" sz="1200" dirty="0">
                 <a:hlinkClick r:id="rId3"/>
               </a:rPr>
-              <a:t>https://www.nitrc.org</a:t>
-            </a:r>
-            <a:br>
-              <a:rPr lang="en-US" altLang="ja-JP" sz="1200" dirty="0"/>
-            </a:br>
-            <a:r>
-              <a:rPr lang="en-US" altLang="ja-JP" sz="1200" dirty="0"/>
-              <a:t>8-2-2. </a:t>
-            </a:r>
-            <a:r>
-              <a:rPr lang="ja-JP" altLang="en-US" sz="1200"/>
-              <a:t>脳画像イメージの</a:t>
-            </a:r>
-            <a:r>
-              <a:rPr lang="en-US" altLang="ja-JP" sz="1200" dirty="0"/>
-              <a:t>python</a:t>
-            </a:r>
-            <a:r>
-              <a:rPr lang="ja-JP" altLang="en-US" sz="1200"/>
-              <a:t>ライブラリやチュートリアル提供サイト</a:t>
-            </a:r>
-            <a:r>
-              <a:rPr lang="en-US" altLang="ja-JP" sz="1200" dirty="0"/>
-              <a:t>- </a:t>
-            </a:r>
-            <a:r>
-              <a:rPr lang="en-US" altLang="ja-JP" sz="1200" dirty="0" err="1"/>
-              <a:t>Nilearn</a:t>
-            </a:r>
-            <a:br>
-              <a:rPr lang="en-US" altLang="ja-JP" sz="1200" dirty="0"/>
-            </a:br>
-            <a:r>
-              <a:rPr lang="en-US" altLang="ja-JP" sz="1200" dirty="0"/>
-              <a:t>    [S]</a:t>
+              <a:t>http://mrirc.psych.ac.cn/RfMRIMaps</a:t>
+            </a:r>
+            <a:br>
+              <a:rPr lang="en-US" altLang="ja-JP" sz="1200" dirty="0"/>
+            </a:br>
+            <a:r>
+              <a:rPr lang="en-US" altLang="ja-JP" sz="1200" dirty="0"/>
+              <a:t>8-3. </a:t>
+            </a:r>
+            <a:r>
+              <a:rPr lang="ja-JP" altLang="en-US" sz="1200"/>
+              <a:t>脳画像データ処理ツールやデータセットの提供</a:t>
+            </a:r>
+            <a:r>
+              <a:rPr lang="en-US" altLang="ja-JP" sz="1200" dirty="0"/>
+              <a:t> – </a:t>
+            </a:r>
+            <a:r>
+              <a:rPr lang="en-US" altLang="ja-JP" sz="1200" i="1" dirty="0"/>
+              <a:t>NITRC</a:t>
+            </a:r>
+            <a:br>
+              <a:rPr lang="en-US" altLang="ja-JP" sz="1200" dirty="0"/>
+            </a:br>
+            <a:r>
+              <a:rPr lang="en-US" altLang="ja-JP" sz="1200" dirty="0"/>
+              <a:t>    </a:t>
             </a:r>
             <a:r>
               <a:rPr lang="en-US" altLang="ja-JP" sz="1200" dirty="0">
                 <a:hlinkClick r:id="rId4"/>
               </a:rPr>
-              <a:t>http://nilearn.github.io/index.html</a:t>
-            </a:r>
-            <a:br>
-              <a:rPr lang="en-US" altLang="ja-JP" sz="1200" dirty="0"/>
-            </a:br>
-            <a:r>
-              <a:rPr lang="en-US" altLang="ja-JP" sz="1200" dirty="0"/>
-              <a:t>8-3. </a:t>
-            </a:r>
-            <a:r>
-              <a:rPr lang="ja-JP" altLang="en-US" sz="1200"/>
-              <a:t>データセットやプログラム提供サイト</a:t>
-            </a:r>
-            <a:br>
-              <a:rPr lang="en-US" altLang="ja-JP" sz="1200" dirty="0"/>
-            </a:br>
-            <a:r>
-              <a:rPr lang="en-US" altLang="ja-JP" sz="1200" dirty="0"/>
-              <a:t>8-3-1. ADHD-200</a:t>
-            </a:r>
-            <a:r>
-              <a:rPr lang="ja-JP" altLang="en-US" sz="1200"/>
-              <a:t>コンペティション用の前処理済みのデータセット</a:t>
-            </a:r>
-            <a:br>
-              <a:rPr lang="en-US" altLang="ja-JP" sz="1200" dirty="0"/>
-            </a:br>
-            <a:r>
-              <a:rPr lang="en-US" altLang="ja-JP" sz="1200" dirty="0"/>
-              <a:t>    [S] </a:t>
+              <a:t>https://www.nitrc.org</a:t>
+            </a:r>
+            <a:br>
+              <a:rPr lang="en-US" altLang="ja-JP" sz="1200" dirty="0"/>
+            </a:br>
+            <a:r>
+              <a:rPr lang="en-US" altLang="ja-JP" sz="1200" dirty="0"/>
+              <a:t>8-4. </a:t>
+            </a:r>
+            <a:r>
+              <a:rPr lang="ja-JP" altLang="en-US" sz="1200"/>
+              <a:t>脳画像データ処理用</a:t>
+            </a:r>
+            <a:r>
+              <a:rPr lang="en-US" altLang="ja-JP" sz="1200" dirty="0"/>
+              <a:t>python</a:t>
+            </a:r>
+            <a:r>
+              <a:rPr lang="ja-JP" altLang="en-US" sz="1200"/>
+              <a:t>ライブラリやチュートリアルの提供</a:t>
+            </a:r>
+            <a:r>
+              <a:rPr lang="en-US" altLang="ja-JP" sz="1200" dirty="0"/>
+              <a:t> – </a:t>
+            </a:r>
+            <a:r>
+              <a:rPr lang="en-US" altLang="ja-JP" sz="1200" i="1" dirty="0" err="1"/>
+              <a:t>Nilearn</a:t>
+            </a:r>
+            <a:br>
+              <a:rPr lang="en-US" altLang="ja-JP" sz="1200" dirty="0"/>
+            </a:br>
+            <a:r>
+              <a:rPr lang="en-US" altLang="ja-JP" sz="1200" dirty="0"/>
+              <a:t>    </a:t>
             </a:r>
             <a:r>
               <a:rPr lang="en-US" altLang="ja-JP" sz="1200" dirty="0">
                 <a:hlinkClick r:id="rId5"/>
               </a:rPr>
-              <a:t>https://www.nitrc.org/frs/?group_id=383</a:t>
-            </a:r>
-            <a:br>
-              <a:rPr lang="en-US" altLang="ja-JP" sz="1200" dirty="0"/>
-            </a:br>
-            <a:r>
-              <a:rPr lang="en-US" altLang="ja-JP" sz="1200" dirty="0"/>
-              <a:t>    (</a:t>
-            </a:r>
-            <a:r>
-              <a:rPr lang="ja-JP" altLang="en-US" sz="1200"/>
-              <a:t>三つのパッケージが存在</a:t>
-            </a:r>
-            <a:r>
-              <a:rPr lang="en-US" altLang="ja-JP" sz="1200" dirty="0"/>
-              <a:t> – ADHD200 </a:t>
-            </a:r>
-            <a:r>
-              <a:rPr lang="en-US" altLang="ja-JP" sz="1200" dirty="0" err="1"/>
-              <a:t>Preproc</a:t>
-            </a:r>
-            <a:r>
-              <a:rPr lang="en-US" altLang="ja-JP" sz="1200" dirty="0"/>
-              <a:t> NIAK</a:t>
-            </a:r>
-            <a:r>
-              <a:rPr lang="ja-JP" altLang="en-US" sz="1200"/>
-              <a:t>、</a:t>
-            </a:r>
-            <a:r>
-              <a:rPr lang="en-US" altLang="ja-JP" sz="1200" dirty="0"/>
-              <a:t>ADHD </a:t>
-            </a:r>
-            <a:r>
-              <a:rPr lang="en-US" altLang="ja-JP" sz="1200" dirty="0" err="1"/>
-              <a:t>Preproc</a:t>
-            </a:r>
-            <a:r>
-              <a:rPr lang="en-US" altLang="ja-JP" sz="1200" dirty="0"/>
-              <a:t> Burner</a:t>
-            </a:r>
-            <a:r>
-              <a:rPr lang="ja-JP" altLang="en-US" sz="1200"/>
-              <a:t>、</a:t>
-            </a:r>
-            <a:r>
-              <a:rPr lang="en-US" altLang="ja-JP" sz="1200" dirty="0"/>
-              <a:t>ADHD </a:t>
-            </a:r>
-            <a:r>
-              <a:rPr lang="en-US" altLang="ja-JP" sz="1200" dirty="0" err="1"/>
-              <a:t>Preproc</a:t>
-            </a:r>
-            <a:r>
-              <a:rPr lang="en-US" altLang="ja-JP" sz="1200" dirty="0"/>
-              <a:t> Athena)</a:t>
-            </a:r>
-            <a:br>
-              <a:rPr lang="en-US" altLang="ja-JP" sz="1200" dirty="0"/>
-            </a:br>
-            <a:r>
-              <a:rPr lang="en-US" altLang="ja-JP" sz="1200" dirty="0"/>
-              <a:t>8-3-2. ADHD</a:t>
-            </a:r>
-            <a:r>
-              <a:rPr lang="ja-JP" altLang="en-US" sz="1200"/>
-              <a:t>のデータセットとその画像処理プログラム</a:t>
-            </a:r>
-            <a:br>
-              <a:rPr lang="en-US" altLang="ja-JP" sz="1200" dirty="0"/>
-            </a:br>
-            <a:r>
-              <a:rPr lang="en-US" altLang="ja-JP" sz="1200" dirty="0"/>
-              <a:t>    [M] </a:t>
+              <a:t>http://nilearn.github.io/index.html</a:t>
+            </a:r>
+            <a:br>
+              <a:rPr lang="en-US" altLang="ja-JP" sz="1200" dirty="0"/>
+            </a:br>
+            <a:r>
+              <a:rPr lang="en-US" altLang="ja-JP" sz="1200" dirty="0"/>
+              <a:t>8-5. ADHD-200 </a:t>
+            </a:r>
+            <a:r>
+              <a:rPr lang="ja-JP" altLang="en-US" sz="1200"/>
+              <a:t>コンペティションサイト</a:t>
+            </a:r>
+            <a:r>
+              <a:rPr lang="en-US" altLang="ja-JP" sz="1200" dirty="0"/>
+              <a:t> – </a:t>
+            </a:r>
+            <a:r>
+              <a:rPr lang="en-US" altLang="ja-JP" sz="1200" i="1" dirty="0"/>
+              <a:t>ADHD 200</a:t>
+            </a:r>
+            <a:br>
+              <a:rPr lang="en-US" altLang="ja-JP" sz="1200" dirty="0"/>
+            </a:br>
+            <a:r>
+              <a:rPr lang="en-US" altLang="ja-JP" sz="1200" dirty="0"/>
+              <a:t>    http://fcon_1000.projects.nitrc.org/</a:t>
+            </a:r>
+            <a:r>
+              <a:rPr lang="en-US" altLang="ja-JP" sz="1200" dirty="0" err="1"/>
+              <a:t>indi</a:t>
+            </a:r>
+            <a:r>
+              <a:rPr lang="en-US" altLang="ja-JP" sz="1200" dirty="0"/>
+              <a:t>/adhd200/</a:t>
+            </a:r>
+            <a:br>
+              <a:rPr lang="en-US" altLang="ja-JP" sz="1200" dirty="0"/>
+            </a:br>
+            <a:r>
+              <a:rPr lang="en-US" altLang="ja-JP" sz="1200" dirty="0"/>
+              <a:t>8-6. ADHD-200</a:t>
+            </a:r>
+            <a:r>
+              <a:rPr lang="ja-JP" altLang="en-US" sz="1200"/>
+              <a:t>コンペティションのサポートサイト</a:t>
+            </a:r>
+            <a:r>
+              <a:rPr lang="en-US" altLang="ja-JP" sz="1200" dirty="0"/>
+              <a:t> – </a:t>
+            </a:r>
+            <a:r>
+              <a:rPr lang="en-US" altLang="ja-JP" sz="1200" i="1" dirty="0"/>
+              <a:t>ADHD-200 Preprocessed</a:t>
+            </a:r>
+            <a:br>
+              <a:rPr lang="en-US" altLang="ja-JP" sz="1200" dirty="0"/>
+            </a:br>
+            <a:r>
+              <a:rPr lang="en-US" altLang="ja-JP" sz="1200" dirty="0"/>
+              <a:t>    </a:t>
             </a:r>
             <a:r>
               <a:rPr lang="en-US" altLang="ja-JP" sz="1200" dirty="0">
                 <a:hlinkClick r:id="rId6"/>
               </a:rPr>
-              <a:t>http://nilearn.github.io/modules/generated/nilearn.datasets.fetch_adhd.html</a:t>
-            </a:r>
-            <a:br>
-              <a:rPr lang="en-US" altLang="ja-JP" sz="1200" dirty="0"/>
-            </a:br>
-            <a:r>
-              <a:rPr lang="en-US" altLang="ja-JP" sz="1200" dirty="0"/>
-              <a:t>    (</a:t>
-            </a:r>
-            <a:r>
-              <a:rPr lang="en-US" altLang="ja-JP" sz="1200" dirty="0" err="1"/>
-              <a:t>Jupyter</a:t>
-            </a:r>
-            <a:r>
-              <a:rPr lang="en-US" altLang="ja-JP" sz="1200" dirty="0"/>
-              <a:t> notebook</a:t>
-            </a:r>
-            <a:r>
-              <a:rPr lang="ja-JP" altLang="en-US" sz="1200"/>
-              <a:t>形式のプログラムのダウンロード可</a:t>
-            </a:r>
-            <a:r>
-              <a:rPr lang="en-US" altLang="ja-JP" sz="1200" dirty="0"/>
-              <a:t>)</a:t>
-            </a:r>
-            <a:br>
-              <a:rPr lang="en-US" altLang="ja-JP" sz="1200" dirty="0"/>
-            </a:br>
-            <a:r>
-              <a:rPr lang="en-US" altLang="ja-JP" sz="1200" dirty="0"/>
-              <a:t>    [M] </a:t>
-            </a:r>
-            <a:r>
-              <a:rPr lang="en" altLang="ja-JP" sz="1200" dirty="0">
+              <a:t>http://preprocessed-connectomes-project.org/adhd200/index.html</a:t>
+            </a:r>
+            <a:br>
+              <a:rPr lang="en-US" altLang="ja-JP" sz="1200" dirty="0"/>
+            </a:br>
+            <a:r>
+              <a:rPr lang="en-US" altLang="ja-JP" sz="1200" dirty="0"/>
+              <a:t>8-7. MRI</a:t>
+            </a:r>
+            <a:r>
+              <a:rPr lang="ja-JP" altLang="en-US" sz="1200"/>
+              <a:t>による脳解析研究</a:t>
+            </a:r>
+            <a:r>
+              <a:rPr lang="en-US" altLang="ja-JP" sz="1200" dirty="0"/>
+              <a:t> – </a:t>
+            </a:r>
+            <a:r>
+              <a:rPr lang="ja-JP" altLang="en-US" sz="1200" i="1"/>
+              <a:t>脳</a:t>
+            </a:r>
+            <a:r>
+              <a:rPr lang="en-US" altLang="ja-JP" sz="1200" i="1" dirty="0"/>
+              <a:t>MRI</a:t>
+            </a:r>
+            <a:r>
+              <a:rPr lang="ja-JP" altLang="en-US" sz="1200" i="1"/>
+              <a:t>データの統計解析</a:t>
+            </a:r>
+            <a:br>
+              <a:rPr lang="en-US" altLang="ja-JP" sz="1200" dirty="0"/>
+            </a:br>
+            <a:r>
+              <a:rPr lang="en-US" altLang="ja-JP" sz="1200" dirty="0"/>
+              <a:t>     </a:t>
+            </a:r>
+            <a:r>
+              <a:rPr lang="en-US" altLang="ja-JP" sz="1200" dirty="0">
                 <a:hlinkClick r:id="rId7"/>
               </a:rPr>
-              <a:t>https://www.nitrc.org/frs/download.php/7781/adhd40_metadata.tgz</a:t>
-            </a:r>
-            <a:br>
-              <a:rPr lang="en" altLang="ja-JP" sz="1200" dirty="0"/>
-            </a:br>
-            <a:r>
-              <a:rPr lang="en" altLang="ja-JP" sz="1200" dirty="0"/>
-              <a:t>     </a:t>
-            </a:r>
-            <a:r>
-              <a:rPr lang="ja-JP" altLang="en-US" sz="1200"/>
-              <a:t>あるいは、</a:t>
-            </a:r>
-            <a:r>
-              <a:rPr lang="en-US" altLang="ja-JP" sz="1200" dirty="0" err="1"/>
-              <a:t>Jupyter</a:t>
-            </a:r>
-            <a:r>
-              <a:rPr lang="en-US" altLang="ja-JP" sz="1200" dirty="0"/>
-              <a:t> Notebook</a:t>
-            </a:r>
-            <a:r>
-              <a:rPr lang="ja-JP" altLang="en-US" sz="1200"/>
-              <a:t>の下記コマンドでデータセットダウンロード可能</a:t>
-            </a:r>
-            <a:br>
-              <a:rPr lang="en-US" altLang="ja-JP" sz="1200" dirty="0"/>
-            </a:br>
-            <a:r>
-              <a:rPr lang="en-US" altLang="ja-JP" sz="1200" dirty="0"/>
-              <a:t>      from </a:t>
-            </a:r>
-            <a:r>
-              <a:rPr lang="en-US" altLang="ja-JP" sz="1200" dirty="0" err="1"/>
-              <a:t>nilearn</a:t>
-            </a:r>
-            <a:r>
-              <a:rPr lang="en-US" altLang="ja-JP" sz="1200" dirty="0"/>
-              <a:t> import </a:t>
-            </a:r>
-            <a:r>
-              <a:rPr lang="en-US" altLang="ja-JP" sz="1200" dirty="0" err="1"/>
-              <a:t>input_data</a:t>
-            </a:r>
-            <a:br>
-              <a:rPr lang="en-US" altLang="ja-JP" sz="1200" dirty="0"/>
-            </a:br>
-            <a:r>
-              <a:rPr lang="en-US" altLang="ja-JP" sz="1200" dirty="0"/>
-              <a:t>       </a:t>
-            </a:r>
-            <a:r>
-              <a:rPr lang="en-US" altLang="ja-JP" sz="1200" dirty="0" err="1"/>
-              <a:t>adhd_dataset</a:t>
-            </a:r>
-            <a:r>
-              <a:rPr lang="en-US" altLang="ja-JP" sz="1200" dirty="0"/>
-              <a:t> = </a:t>
-            </a:r>
-            <a:r>
-              <a:rPr lang="en-US" altLang="ja-JP" sz="1200" dirty="0" err="1"/>
-              <a:t>datasets.fetch_adhd</a:t>
-            </a:r>
-            <a:r>
-              <a:rPr lang="en-US" altLang="ja-JP" sz="1200" dirty="0"/>
-              <a:t>(</a:t>
-            </a:r>
-            <a:r>
-              <a:rPr lang="en-US" altLang="ja-JP" sz="1200" dirty="0" err="1"/>
-              <a:t>n_subjects</a:t>
-            </a:r>
-            <a:r>
-              <a:rPr lang="en-US" altLang="ja-JP" sz="1200" dirty="0"/>
-              <a:t>=None) </a:t>
-            </a:r>
+              <a:t>https://www.jstage.jst.go.jp/article/jjb/33/2/33_145/_pdf</a:t>
+            </a:r>
+            <a:br>
+              <a:rPr lang="en-US" altLang="ja-JP" sz="1200" dirty="0"/>
+            </a:br>
             <a:br>
               <a:rPr lang="en-US" altLang="ja-JP" sz="1200" dirty="0"/>
             </a:br>
@@ -3999,168 +4531,6 @@
     <p:extLst>
       <p:ext uri="{BB962C8B-B14F-4D97-AF65-F5344CB8AC3E}">
         <p14:creationId xmlns:p14="http://schemas.microsoft.com/office/powerpoint/2010/main" val="465994459"/>
-      </p:ext>
-    </p:extLst>
-  </p:cSld>
-  <p:clrMapOvr>
-    <a:masterClrMapping/>
-  </p:clrMapOvr>
-</p:sld>
-</file>
-
-<file path=ppt/slides/slide11.xml><?xml version="1.0" encoding="utf-8"?>
-<p:sld xmlns:a="http://schemas.openxmlformats.org/drawingml/2006/main" xmlns:r="http://schemas.openxmlformats.org/officeDocument/2006/relationships" xmlns:p="http://schemas.openxmlformats.org/presentationml/2006/main">
-  <p:cSld>
-    <p:spTree>
-      <p:nvGrpSpPr>
-        <p:cNvPr id="1" name=""/>
-        <p:cNvGrpSpPr/>
-        <p:nvPr/>
-      </p:nvGrpSpPr>
-      <p:grpSpPr>
-        <a:xfrm>
-          <a:off x="0" y="0"/>
-          <a:ext cx="0" cy="0"/>
-          <a:chOff x="0" y="0"/>
-          <a:chExt cx="0" cy="0"/>
-        </a:xfrm>
-      </p:grpSpPr>
-      <p:sp>
-        <p:nvSpPr>
-          <p:cNvPr id="2" name="タイトル 1">
-            <a:extLst>
-              <a:ext uri="{FF2B5EF4-FFF2-40B4-BE49-F238E27FC236}">
-                <a16:creationId xmlns:a16="http://schemas.microsoft.com/office/drawing/2014/main" id="{42303C9D-0A55-7140-8AB8-2737FA3B160A}"/>
-              </a:ext>
-            </a:extLst>
-          </p:cNvPr>
-          <p:cNvSpPr>
-            <a:spLocks noGrp="1"/>
-          </p:cNvSpPr>
-          <p:nvPr>
-            <p:ph type="title"/>
-          </p:nvPr>
-        </p:nvSpPr>
-        <p:spPr>
-          <a:xfrm>
-            <a:off x="683568" y="836712"/>
-            <a:ext cx="7776864" cy="5688632"/>
-          </a:xfrm>
-        </p:spPr>
-        <p:txBody>
-          <a:bodyPr anchor="t" anchorCtr="0">
-            <a:noAutofit/>
-          </a:bodyPr>
-          <a:lstStyle/>
-          <a:p>
-            <a:pPr algn="l"/>
-            <a:r>
-              <a:rPr lang="en-US" altLang="ja-JP" sz="1200" dirty="0"/>
-              <a:t>8-3-3. </a:t>
-            </a:r>
-            <a:r>
-              <a:rPr lang="ja-JP" altLang="en-US" sz="1200"/>
-              <a:t>脳画像の機械学習</a:t>
-            </a:r>
-            <a:r>
-              <a:rPr lang="en-US" altLang="ja-JP" sz="1200" dirty="0"/>
-              <a:t>Python</a:t>
-            </a:r>
-            <a:r>
-              <a:rPr lang="ja-JP" altLang="en-US" sz="1200"/>
-              <a:t>コード</a:t>
-            </a:r>
-            <a:br>
-              <a:rPr lang="en-US" altLang="ja-JP" sz="1200" dirty="0"/>
-            </a:br>
-            <a:r>
-              <a:rPr lang="en-US" altLang="ja-JP" sz="1200" dirty="0"/>
-              <a:t>    [S] </a:t>
-            </a:r>
-            <a:r>
-              <a:rPr lang="en-US" altLang="ja-JP" sz="1200" dirty="0">
-                <a:hlinkClick r:id="rId2"/>
-              </a:rPr>
-              <a:t>http://nilearn.github.io/auto_examples/index.html</a:t>
-            </a:r>
-            <a:br>
-              <a:rPr lang="en-US" altLang="ja-JP" sz="1200" dirty="0"/>
-            </a:br>
-            <a:r>
-              <a:rPr lang="en-US" altLang="ja-JP" sz="1200" dirty="0"/>
-              <a:t>8-4. ADHD-200</a:t>
-            </a:r>
-            <a:r>
-              <a:rPr lang="ja-JP" altLang="en-US" sz="1200"/>
-              <a:t>コンペティション情報提供サイト</a:t>
-            </a:r>
-            <a:br>
-              <a:rPr lang="en-US" altLang="ja-JP" sz="1200" dirty="0"/>
-            </a:br>
-            <a:r>
-              <a:rPr lang="en-US" altLang="ja-JP" sz="1200" dirty="0"/>
-              <a:t>8-4-1. ADHD-200 </a:t>
-            </a:r>
-            <a:r>
-              <a:rPr lang="ja-JP" altLang="en-US" sz="1200"/>
-              <a:t>コンペティションサイト</a:t>
-            </a:r>
-            <a:br>
-              <a:rPr lang="en-US" altLang="ja-JP" sz="1200" dirty="0"/>
-            </a:br>
-            <a:r>
-              <a:rPr lang="en-US" altLang="ja-JP" sz="1200" dirty="0"/>
-              <a:t>    [S] http://fcon_1000.projects.nitrc.org/</a:t>
-            </a:r>
-            <a:r>
-              <a:rPr lang="en-US" altLang="ja-JP" sz="1200" dirty="0" err="1"/>
-              <a:t>indi</a:t>
-            </a:r>
-            <a:r>
-              <a:rPr lang="en-US" altLang="ja-JP" sz="1200" dirty="0"/>
-              <a:t>/adhd200/</a:t>
-            </a:r>
-            <a:br>
-              <a:rPr lang="en-US" altLang="ja-JP" sz="1200" dirty="0"/>
-            </a:br>
-            <a:r>
-              <a:rPr lang="en-US" altLang="ja-JP" sz="1200" dirty="0"/>
-              <a:t>8-4-2. ADHD-200</a:t>
-            </a:r>
-            <a:r>
-              <a:rPr lang="ja-JP" altLang="en-US" sz="1200"/>
-              <a:t>コンペティションのサポートサイト</a:t>
-            </a:r>
-            <a:br>
-              <a:rPr lang="en-US" altLang="ja-JP" sz="1200" dirty="0"/>
-            </a:br>
-            <a:r>
-              <a:rPr lang="en-US" altLang="ja-JP" sz="1200" dirty="0"/>
-              <a:t>    [S] </a:t>
-            </a:r>
-            <a:r>
-              <a:rPr lang="en-US" altLang="ja-JP" sz="1200" dirty="0">
-                <a:hlinkClick r:id="rId3"/>
-              </a:rPr>
-              <a:t>http://preprocessed-connectomes-project.org/adhd200/index.html</a:t>
-            </a:r>
-            <a:br>
-              <a:rPr lang="en-US" altLang="ja-JP" sz="1200" dirty="0"/>
-            </a:br>
-            <a:br>
-              <a:rPr lang="en-US" altLang="ja-JP" sz="1200" dirty="0"/>
-            </a:br>
-            <a:br>
-              <a:rPr lang="en-US" altLang="ja-JP" sz="1200" dirty="0"/>
-            </a:br>
-            <a:endParaRPr kumimoji="1" lang="ja-JP" altLang="en-US" sz="1200"/>
-          </a:p>
-        </p:txBody>
-      </p:sp>
-    </p:spTree>
-    <p:extLst>
-      <p:ext uri="{BB962C8B-B14F-4D97-AF65-F5344CB8AC3E}">
-        <p14:creationId xmlns:p14="http://schemas.microsoft.com/office/powerpoint/2010/main" val="3664991691"/>
       </p:ext>
     </p:extLst>
   </p:cSld>
@@ -4233,521 +4603,172 @@
               </a:rPr>
             </a:br>
             <a:r>
-              <a:rPr lang="en-US" altLang="ja-JP" sz="1800" b="1" dirty="0">
+              <a:rPr lang="en-US" altLang="ja-JP" sz="1600" b="1" dirty="0">
                 <a:latin typeface="+mj-ea"/>
               </a:rPr>
               <a:t>1. </a:t>
             </a:r>
             <a:r>
-              <a:rPr lang="ja-JP" altLang="en-US" sz="1800" b="1">
+              <a:rPr lang="ja-JP" altLang="en-US" sz="1600" b="1">
                 <a:latin typeface="+mj-ea"/>
               </a:rPr>
               <a:t>本ドキュメントの説明</a:t>
             </a:r>
-            <a:r>
-              <a:rPr lang="en-US" altLang="ja-JP" sz="1800" b="1" dirty="0">
+            <a:br>
+              <a:rPr lang="en-US" altLang="ja-JP" sz="1600" b="1" dirty="0">
                 <a:latin typeface="+mj-ea"/>
               </a:rPr>
-              <a:t>  </a:t>
-            </a:r>
-            <a:r>
-              <a:rPr lang="ja-JP" altLang="en-US" sz="1800" b="1">
+            </a:br>
+            <a:br>
+              <a:rPr lang="en-US" altLang="ja-JP" sz="1600" b="1" dirty="0">
                 <a:latin typeface="+mj-ea"/>
               </a:rPr>
-              <a:t>・・・・・・・・・・・・・・・</a:t>
-            </a:r>
-            <a:r>
-              <a:rPr lang="en-US" altLang="ja-JP" sz="1800" b="1" dirty="0">
-                <a:latin typeface="+mj-ea"/>
-              </a:rPr>
-              <a:t> Page 1</a:t>
-            </a:r>
-            <a:br>
-              <a:rPr lang="en-US" altLang="ja-JP" sz="1800" b="1" dirty="0">
-                <a:latin typeface="+mj-ea"/>
-              </a:rPr>
-            </a:br>
-            <a:r>
-              <a:rPr lang="en-US" altLang="ja-JP" sz="1800" b="1" dirty="0">
+            </a:br>
+            <a:r>
+              <a:rPr lang="en-US" altLang="ja-JP" sz="1600" b="1" dirty="0">
                 <a:latin typeface="+mj-ea"/>
               </a:rPr>
               <a:t>2. </a:t>
             </a:r>
             <a:r>
-              <a:rPr lang="ja-JP" altLang="en-US" sz="1800" b="1">
+              <a:rPr lang="ja-JP" altLang="en-US" sz="1600" b="1">
                 <a:latin typeface="+mj-ea"/>
               </a:rPr>
               <a:t>システム概要</a:t>
             </a:r>
-            <a:r>
-              <a:rPr lang="en-US" altLang="ja-JP" sz="1800" b="1" dirty="0">
+            <a:br>
+              <a:rPr lang="en-US" altLang="ja-JP" sz="1600" b="1" dirty="0">
                 <a:latin typeface="+mj-ea"/>
               </a:rPr>
-              <a:t> </a:t>
-            </a:r>
-            <a:r>
-              <a:rPr lang="ja-JP" altLang="en-US" sz="1800" b="1">
+            </a:br>
+            <a:br>
+              <a:rPr lang="en-US" altLang="ja-JP" sz="1600" b="1" dirty="0">
                 <a:latin typeface="+mj-ea"/>
               </a:rPr>
-              <a:t>・・・・・・・・・・・・・・・・・・・・・</a:t>
-            </a:r>
-            <a:r>
-              <a:rPr lang="en-US" altLang="ja-JP" sz="1800" b="1" dirty="0">
-                <a:latin typeface="+mj-ea"/>
-              </a:rPr>
-              <a:t>  Page x</a:t>
-            </a:r>
-            <a:br>
-              <a:rPr lang="en-US" altLang="ja-JP" sz="1800" b="1" dirty="0">
-                <a:latin typeface="+mj-ea"/>
-              </a:rPr>
-            </a:br>
-            <a:r>
-              <a:rPr lang="en-US" altLang="ja-JP" sz="1800" b="1" dirty="0">
+            </a:br>
+            <a:r>
+              <a:rPr lang="en-US" altLang="ja-JP" sz="1600" b="1" dirty="0">
                 <a:latin typeface="+mj-ea"/>
               </a:rPr>
               <a:t>3. </a:t>
             </a:r>
             <a:r>
-              <a:rPr lang="ja-JP" altLang="en-US" sz="1800" b="1">
+              <a:rPr lang="ja-JP" altLang="en-US" sz="1600" b="1">
                 <a:latin typeface="+mj-ea"/>
               </a:rPr>
               <a:t>データフロー図</a:t>
             </a:r>
-            <a:r>
-              <a:rPr lang="en-US" altLang="ja-JP" sz="1800" b="1" dirty="0">
+            <a:br>
+              <a:rPr lang="en-US" altLang="ja-JP" sz="1600" b="1" dirty="0">
                 <a:latin typeface="+mj-ea"/>
               </a:rPr>
-              <a:t> </a:t>
-            </a:r>
-            <a:r>
-              <a:rPr lang="ja-JP" altLang="en-US" sz="1800" b="1">
+            </a:br>
+            <a:br>
+              <a:rPr lang="en-US" altLang="ja-JP" sz="1600" b="1" dirty="0">
                 <a:latin typeface="+mj-ea"/>
               </a:rPr>
-              <a:t>・・・・・・・・・・・・・・・・・・・</a:t>
-            </a:r>
-            <a:r>
-              <a:rPr lang="en-US" altLang="ja-JP" sz="1800" b="1" dirty="0">
-                <a:latin typeface="+mj-ea"/>
-              </a:rPr>
-              <a:t> </a:t>
-            </a:r>
-            <a:r>
-              <a:rPr lang="ja-JP" altLang="en-US" sz="1800" b="1">
-                <a:latin typeface="+mj-ea"/>
-              </a:rPr>
-              <a:t>  </a:t>
-            </a:r>
-            <a:r>
-              <a:rPr lang="en-US" altLang="ja-JP" sz="1800" b="1" dirty="0">
-                <a:latin typeface="+mj-ea"/>
-              </a:rPr>
-              <a:t>Page x</a:t>
-            </a:r>
-            <a:br>
-              <a:rPr lang="en-US" altLang="ja-JP" sz="1800" b="1" dirty="0">
-                <a:latin typeface="+mj-ea"/>
-              </a:rPr>
-            </a:br>
-            <a:r>
-              <a:rPr lang="en-US" altLang="ja-JP" sz="1800" b="1" dirty="0">
+            </a:br>
+            <a:r>
+              <a:rPr lang="en-US" altLang="ja-JP" sz="1600" b="1" dirty="0">
                 <a:latin typeface="+mj-ea"/>
               </a:rPr>
               <a:t>4. </a:t>
             </a:r>
             <a:r>
-              <a:rPr lang="ja-JP" altLang="en-US" sz="1800" b="1">
+              <a:rPr lang="ja-JP" altLang="en-US" sz="1600" b="1">
                 <a:latin typeface="+mj-ea"/>
               </a:rPr>
               <a:t>使用言語</a:t>
             </a:r>
-            <a:r>
-              <a:rPr lang="en-US" altLang="ja-JP" sz="1800" b="1" dirty="0">
+            <a:br>
+              <a:rPr lang="en-US" altLang="ja-JP" sz="1600" b="1" dirty="0">
                 <a:latin typeface="+mj-ea"/>
               </a:rPr>
-              <a:t> </a:t>
-            </a:r>
-            <a:r>
-              <a:rPr lang="ja-JP" altLang="en-US" sz="1800" b="1">
+            </a:br>
+            <a:br>
+              <a:rPr lang="en-US" altLang="ja-JP" sz="1600" b="1" dirty="0">
                 <a:latin typeface="+mj-ea"/>
               </a:rPr>
-              <a:t>・・・・・・・・・・・・・・・・・・・・・・・・</a:t>
-            </a:r>
-            <a:r>
-              <a:rPr lang="en-US" altLang="ja-JP" sz="1800" b="1" dirty="0">
-                <a:latin typeface="+mj-ea"/>
-              </a:rPr>
-              <a:t>  Page x</a:t>
-            </a:r>
-            <a:br>
-              <a:rPr lang="en-US" altLang="ja-JP" sz="1800" b="1" dirty="0">
-                <a:latin typeface="+mj-ea"/>
-              </a:rPr>
-            </a:br>
-            <a:r>
-              <a:rPr lang="en-US" altLang="ja-JP" sz="1800" b="1" dirty="0">
+            </a:br>
+            <a:r>
+              <a:rPr lang="en-US" altLang="ja-JP" sz="1600" b="1" dirty="0">
                 <a:latin typeface="+mj-ea"/>
               </a:rPr>
               <a:t>5. </a:t>
             </a:r>
             <a:r>
-              <a:rPr lang="ja-JP" altLang="en-US" sz="1800" b="1">
+              <a:rPr lang="ja-JP" altLang="en-US" sz="1600" b="1">
                 <a:latin typeface="+mj-ea"/>
               </a:rPr>
               <a:t>入力・出力形式</a:t>
             </a:r>
-            <a:r>
-              <a:rPr lang="en-US" altLang="ja-JP" sz="1800" b="1" dirty="0">
+            <a:br>
+              <a:rPr lang="en-US" altLang="ja-JP" sz="1600" b="1" dirty="0">
                 <a:latin typeface="+mj-ea"/>
               </a:rPr>
-              <a:t> </a:t>
-            </a:r>
-            <a:r>
-              <a:rPr lang="ja-JP" altLang="en-US" sz="1800" b="1">
+            </a:br>
+            <a:br>
+              <a:rPr lang="en-US" altLang="ja-JP" sz="1600" b="1" dirty="0">
                 <a:latin typeface="+mj-ea"/>
               </a:rPr>
-              <a:t>・・・・・・・・・・・・・・・・・・・</a:t>
-            </a:r>
-            <a:r>
-              <a:rPr lang="en-US" altLang="ja-JP" sz="1800" b="1" dirty="0">
-                <a:latin typeface="+mj-ea"/>
-              </a:rPr>
-              <a:t>  Page x</a:t>
-            </a:r>
-            <a:br>
-              <a:rPr lang="en-US" altLang="ja-JP" sz="1800" b="1" dirty="0">
-                <a:latin typeface="+mj-ea"/>
-              </a:rPr>
-            </a:br>
-            <a:r>
-              <a:rPr lang="en-US" altLang="ja-JP" sz="1800" b="1" dirty="0">
+            </a:br>
+            <a:r>
+              <a:rPr lang="en-US" altLang="ja-JP" sz="1600" b="1" dirty="0">
                 <a:latin typeface="+mj-ea"/>
               </a:rPr>
               <a:t>6. </a:t>
             </a:r>
             <a:r>
-              <a:rPr lang="ja-JP" altLang="en-US" sz="1800" b="1">
+              <a:rPr lang="ja-JP" altLang="en-US" sz="1600" b="1">
                 <a:latin typeface="+mj-ea"/>
               </a:rPr>
               <a:t>機能詳細</a:t>
             </a:r>
-            <a:r>
-              <a:rPr lang="en-US" altLang="ja-JP" sz="1800" b="1" dirty="0">
-                <a:latin typeface="+mj-ea"/>
-              </a:rPr>
-              <a:t> </a:t>
-            </a:r>
-            <a:r>
-              <a:rPr lang="ja-JP" altLang="en-US" sz="1800" b="1">
-                <a:latin typeface="+mj-ea"/>
-              </a:rPr>
-              <a:t>・・・・・・・・・・・・・・・・・・・・・・・・</a:t>
-            </a:r>
-            <a:r>
-              <a:rPr lang="en-US" altLang="ja-JP" sz="1800" b="1" dirty="0">
-                <a:latin typeface="+mj-ea"/>
-              </a:rPr>
-              <a:t>  Page x</a:t>
-            </a:r>
-            <a:br>
-              <a:rPr lang="en-US" altLang="ja-JP" sz="1800" b="1" dirty="0">
-                <a:latin typeface="+mj-ea"/>
-              </a:rPr>
-            </a:br>
-            <a:r>
+            <a:br>
               <a:rPr lang="en-US" altLang="ja-JP" sz="1600" b="1" dirty="0">
                 <a:latin typeface="+mj-ea"/>
               </a:rPr>
-              <a:t>    6-1. </a:t>
+            </a:br>
+            <a:br>
+              <a:rPr lang="en-US" altLang="ja-JP" sz="1600" b="1" dirty="0">
+                <a:latin typeface="+mj-ea"/>
+              </a:rPr>
+            </a:br>
+            <a:r>
+              <a:rPr lang="en-US" altLang="ja-JP" sz="1600" b="1" dirty="0">
+                <a:latin typeface="+mj-ea"/>
+              </a:rPr>
+              <a:t>7. </a:t>
             </a:r>
             <a:r>
               <a:rPr lang="ja-JP" altLang="en-US" sz="1600" b="1">
                 <a:latin typeface="+mj-ea"/>
               </a:rPr>
-              <a:t>入力処理</a:t>
-            </a:r>
-            <a:r>
+              <a:t>関連ドキュメント</a:t>
+            </a:r>
+            <a:br>
               <a:rPr lang="en-US" altLang="ja-JP" sz="1600" b="1" dirty="0">
                 <a:latin typeface="+mj-ea"/>
               </a:rPr>
-              <a:t>(Input Process) </a:t>
+            </a:br>
+            <a:br>
+              <a:rPr lang="en-US" altLang="ja-JP" sz="1600" b="1" dirty="0">
+                <a:latin typeface="+mj-ea"/>
+              </a:rPr>
+            </a:br>
+            <a:r>
+              <a:rPr lang="en-US" altLang="ja-JP" sz="1600" b="1" dirty="0">
+                <a:latin typeface="+mj-ea"/>
+              </a:rPr>
+              <a:t>8. </a:t>
             </a:r>
             <a:r>
               <a:rPr lang="ja-JP" altLang="en-US" sz="1600" b="1">
                 <a:latin typeface="+mj-ea"/>
               </a:rPr>
-              <a:t>・・・・・・・・・・・</a:t>
-            </a:r>
-            <a:r>
-              <a:rPr lang="en-US" altLang="ja-JP" sz="1600" b="1" dirty="0">
-                <a:latin typeface="+mj-ea"/>
-              </a:rPr>
-              <a:t>  Page x</a:t>
-            </a:r>
-            <a:br>
-              <a:rPr lang="en-US" altLang="ja-JP" sz="1600" b="1" dirty="0">
-                <a:latin typeface="+mj-ea"/>
-              </a:rPr>
-            </a:br>
-            <a:r>
-              <a:rPr lang="en-US" altLang="ja-JP" sz="1600" b="1" dirty="0">
-                <a:latin typeface="+mj-ea"/>
-              </a:rPr>
-              <a:t>    6-2. </a:t>
-            </a:r>
-            <a:r>
-              <a:rPr lang="ja-JP" altLang="en-US" sz="1600" b="1">
-                <a:latin typeface="+mj-ea"/>
-              </a:rPr>
-              <a:t>前処理</a:t>
-            </a:r>
-            <a:r>
-              <a:rPr lang="en-US" altLang="ja-JP" sz="1600" b="1" dirty="0">
-                <a:latin typeface="+mj-ea"/>
-              </a:rPr>
-              <a:t>(</a:t>
-            </a:r>
-            <a:r>
-              <a:rPr lang="en-US" altLang="ja-JP" sz="1600" b="1" dirty="0" err="1">
-                <a:latin typeface="+mj-ea"/>
-              </a:rPr>
-              <a:t>PreProcess</a:t>
-            </a:r>
-            <a:r>
-              <a:rPr lang="en-US" altLang="ja-JP" sz="1600" b="1" dirty="0">
-                <a:latin typeface="+mj-ea"/>
-              </a:rPr>
-              <a:t>) </a:t>
-            </a:r>
-            <a:r>
-              <a:rPr lang="ja-JP" altLang="en-US" sz="1600" b="1">
-                <a:latin typeface="+mj-ea"/>
-              </a:rPr>
-              <a:t>・・・・・・・・・・・・・・・</a:t>
-            </a:r>
-            <a:r>
-              <a:rPr lang="en-US" altLang="ja-JP" sz="1600" b="1" dirty="0">
-                <a:latin typeface="+mj-ea"/>
-              </a:rPr>
-              <a:t>  Page x</a:t>
-            </a:r>
-            <a:br>
-              <a:rPr lang="en-US" altLang="ja-JP" sz="1600" b="1" dirty="0">
-                <a:latin typeface="+mj-ea"/>
-              </a:rPr>
-            </a:br>
-            <a:r>
-              <a:rPr lang="en-US" altLang="ja-JP" sz="1600" b="1" dirty="0">
-                <a:latin typeface="+mj-ea"/>
-              </a:rPr>
-              <a:t>    6-3. </a:t>
-            </a:r>
-            <a:r>
-              <a:rPr lang="ja-JP" altLang="en-US" sz="1600" b="1">
-                <a:latin typeface="+mj-ea"/>
-              </a:rPr>
-              <a:t>学習処理</a:t>
-            </a:r>
-            <a:r>
-              <a:rPr lang="en-US" altLang="ja-JP" sz="1600" b="1" dirty="0">
-                <a:latin typeface="+mj-ea"/>
-              </a:rPr>
-              <a:t>(Learning Process) </a:t>
-            </a:r>
-            <a:r>
-              <a:rPr lang="ja-JP" altLang="en-US" sz="1600" b="1">
-                <a:latin typeface="+mj-ea"/>
-              </a:rPr>
-              <a:t>・・・・・・・・</a:t>
-            </a:r>
-            <a:r>
-              <a:rPr lang="en-US" altLang="ja-JP" sz="1600" b="1" dirty="0">
-                <a:latin typeface="+mj-ea"/>
-              </a:rPr>
-              <a:t>   Page x</a:t>
-            </a:r>
-            <a:br>
-              <a:rPr lang="en-US" altLang="ja-JP" sz="1600" b="1" dirty="0">
-                <a:latin typeface="+mj-ea"/>
-              </a:rPr>
-            </a:br>
-            <a:r>
-              <a:rPr lang="en-US" altLang="ja-JP" sz="1400" b="1" dirty="0">
-                <a:latin typeface="+mj-ea"/>
-              </a:rPr>
-              <a:t>            </a:t>
-            </a:r>
-            <a:r>
-              <a:rPr lang="ja-JP" altLang="en-US" sz="1400" b="1">
-                <a:latin typeface="+mj-ea"/>
-              </a:rPr>
-              <a:t>学習</a:t>
-            </a:r>
-            <a:r>
-              <a:rPr lang="en-US" altLang="ja-JP" sz="1400" b="1" dirty="0">
-                <a:latin typeface="+mj-ea"/>
-              </a:rPr>
-              <a:t>/</a:t>
-            </a:r>
-            <a:r>
-              <a:rPr lang="ja-JP" altLang="en-US" sz="1400" b="1">
-                <a:latin typeface="+mj-ea"/>
-              </a:rPr>
-              <a:t>損失関数</a:t>
-            </a:r>
-            <a:r>
-              <a:rPr lang="en-US" altLang="ja-JP" sz="1400" b="1" dirty="0">
-                <a:latin typeface="+mj-ea"/>
-              </a:rPr>
-              <a:t>  </a:t>
-            </a:r>
-            <a:r>
-              <a:rPr lang="ja-JP" altLang="en-US" sz="1400" b="1">
-                <a:latin typeface="+mj-ea"/>
-              </a:rPr>
-              <a:t>・・・・・・・・・・・・・・・・・・・・・・・・</a:t>
-            </a:r>
-            <a:r>
-              <a:rPr lang="en-US" altLang="ja-JP" sz="1400" b="1" dirty="0">
-                <a:latin typeface="+mj-ea"/>
-              </a:rPr>
-              <a:t>  Page x</a:t>
-            </a:r>
-            <a:br>
-              <a:rPr lang="en-US" altLang="ja-JP" sz="1600" b="1" dirty="0">
-                <a:latin typeface="+mj-ea"/>
-              </a:rPr>
-            </a:br>
-            <a:r>
-              <a:rPr lang="en-US" altLang="ja-JP" sz="1600" b="1" dirty="0">
-                <a:latin typeface="+mj-ea"/>
-              </a:rPr>
-              <a:t>    6-4. </a:t>
-            </a:r>
-            <a:r>
-              <a:rPr lang="ja-JP" altLang="en-US" sz="1600" b="1">
-                <a:latin typeface="+mj-ea"/>
-              </a:rPr>
-              <a:t>出力処理</a:t>
-            </a:r>
-            <a:r>
-              <a:rPr lang="en-US" altLang="ja-JP" sz="1600" b="1" dirty="0">
-                <a:latin typeface="+mj-ea"/>
-              </a:rPr>
-              <a:t>(Output Process)</a:t>
-            </a:r>
-            <a:r>
-              <a:rPr lang="ja-JP" altLang="en-US" sz="1600" b="1">
-                <a:latin typeface="+mj-ea"/>
-              </a:rPr>
-              <a:t> ・・・・・・・・・</a:t>
-            </a:r>
-            <a:r>
-              <a:rPr lang="en-US" altLang="ja-JP" sz="1600" b="1" dirty="0">
-                <a:latin typeface="+mj-ea"/>
-              </a:rPr>
-              <a:t> </a:t>
-            </a:r>
-            <a:r>
-              <a:rPr lang="ja-JP" altLang="en-US" sz="1600" b="1">
-                <a:latin typeface="+mj-ea"/>
-              </a:rPr>
-              <a:t> </a:t>
-            </a:r>
-            <a:r>
-              <a:rPr lang="en-US" altLang="ja-JP" sz="1600" b="1" dirty="0">
-                <a:latin typeface="+mj-ea"/>
-              </a:rPr>
-              <a:t> Page x</a:t>
-            </a:r>
-            <a:br>
-              <a:rPr lang="en-US" altLang="ja-JP" sz="1800" b="1" dirty="0">
-                <a:latin typeface="+mj-ea"/>
-              </a:rPr>
-            </a:br>
-            <a:r>
-              <a:rPr lang="en-US" altLang="ja-JP" sz="1800" b="1" dirty="0">
-                <a:latin typeface="+mj-ea"/>
-              </a:rPr>
-              <a:t>7. </a:t>
-            </a:r>
-            <a:r>
-              <a:rPr lang="ja-JP" altLang="en-US" sz="1800" b="1">
-                <a:latin typeface="+mj-ea"/>
-              </a:rPr>
-              <a:t>関連ドキュメント</a:t>
-            </a:r>
-            <a:r>
-              <a:rPr lang="en-US" altLang="ja-JP" sz="1800" b="1" dirty="0">
-                <a:latin typeface="+mj-ea"/>
-              </a:rPr>
-              <a:t>  </a:t>
-            </a:r>
-            <a:r>
-              <a:rPr lang="ja-JP" altLang="en-US" sz="1800" b="1">
-                <a:latin typeface="+mj-ea"/>
-              </a:rPr>
-              <a:t>・・・・・・・・・・・・・・・・・・</a:t>
-            </a:r>
-            <a:r>
-              <a:rPr lang="en-US" altLang="ja-JP" sz="1800" b="1" dirty="0">
-                <a:latin typeface="+mj-ea"/>
-              </a:rPr>
-              <a:t>  Page x</a:t>
-            </a:r>
-            <a:br>
-              <a:rPr lang="en-US" altLang="ja-JP" sz="1800" b="1" dirty="0">
-                <a:latin typeface="+mj-ea"/>
-              </a:rPr>
-            </a:br>
-            <a:r>
-              <a:rPr lang="en-US" altLang="ja-JP" sz="1800" b="1" dirty="0">
-                <a:latin typeface="+mj-ea"/>
-              </a:rPr>
-              <a:t>8. </a:t>
-            </a:r>
-            <a:r>
-              <a:rPr lang="ja-JP" altLang="en-US" sz="1800" b="1">
-                <a:latin typeface="+mj-ea"/>
-              </a:rPr>
               <a:t>参考文献</a:t>
             </a:r>
-            <a:r>
-              <a:rPr lang="en-US" altLang="ja-JP" sz="1800" b="1" dirty="0">
-                <a:latin typeface="+mj-ea"/>
-              </a:rPr>
-              <a:t>  </a:t>
-            </a:r>
-            <a:r>
-              <a:rPr lang="ja-JP" altLang="en-US" sz="1800" b="1">
-                <a:latin typeface="+mj-ea"/>
-              </a:rPr>
-              <a:t>・・・・・・・・・・・・・・・・・・・・・・・</a:t>
-            </a:r>
-            <a:r>
-              <a:rPr lang="en-US" altLang="ja-JP" sz="1800" b="1" dirty="0">
-                <a:latin typeface="+mj-ea"/>
-              </a:rPr>
-              <a:t>   </a:t>
-            </a:r>
-            <a:r>
-              <a:rPr lang="ja-JP" altLang="en-US" sz="1800" b="1">
-                <a:latin typeface="+mj-ea"/>
-              </a:rPr>
-              <a:t>ページ</a:t>
-            </a:r>
-            <a:r>
-              <a:rPr lang="en-US" altLang="ja-JP" sz="1800" b="1" dirty="0">
-                <a:latin typeface="+mj-ea"/>
-              </a:rPr>
-              <a:t>x</a:t>
-            </a:r>
-            <a:br>
-              <a:rPr lang="en-US" altLang="ja-JP" sz="1800" b="1" dirty="0">
-                <a:latin typeface="+mj-ea"/>
-              </a:rPr>
-            </a:br>
-            <a:endParaRPr kumimoji="1" lang="ja-JP" altLang="en-US" sz="1000">
+            <a:endParaRPr kumimoji="1" lang="ja-JP" altLang="en-US" sz="1600">
               <a:latin typeface="+mj-ea"/>
             </a:endParaRPr>
           </a:p>
@@ -5116,6 +5137,50 @@
             <a:br>
               <a:rPr lang="en-US" altLang="ja-JP" sz="1200" dirty="0"/>
             </a:br>
+            <a:r>
+              <a:rPr lang="ja-JP" altLang="en-US" sz="1200"/>
+              <a:t>機能的</a:t>
+            </a:r>
+            <a:r>
+              <a:rPr lang="en-US" altLang="ja-JP" sz="1200" dirty="0"/>
+              <a:t>MRI(fMRI)</a:t>
+            </a:r>
+            <a:r>
+              <a:rPr lang="ja-JP" altLang="en-US" sz="1200"/>
+              <a:t>と構造的</a:t>
+            </a:r>
+            <a:r>
+              <a:rPr lang="en-US" altLang="ja-JP" sz="1200" dirty="0"/>
+              <a:t>MRI(</a:t>
+            </a:r>
+            <a:r>
+              <a:rPr lang="en-US" altLang="ja-JP" sz="1200" dirty="0" err="1"/>
+              <a:t>sMRI</a:t>
+            </a:r>
+            <a:r>
+              <a:rPr lang="en-US" altLang="ja-JP" sz="1200" dirty="0"/>
+              <a:t>)</a:t>
+            </a:r>
+            <a:r>
+              <a:rPr lang="ja-JP" altLang="en-US" sz="1200"/>
+              <a:t>を別々の</a:t>
+            </a:r>
+            <a:r>
+              <a:rPr lang="en-US" altLang="ja-JP" sz="1200" dirty="0"/>
+              <a:t>3</a:t>
+            </a:r>
+            <a:r>
+              <a:rPr lang="ja-JP" altLang="en-US" sz="1200"/>
+              <a:t>次元</a:t>
+            </a:r>
+            <a:r>
+              <a:rPr lang="en-US" altLang="ja-JP" sz="1200" dirty="0"/>
+              <a:t>CNN</a:t>
+            </a:r>
+            <a:r>
+              <a:rPr lang="ja-JP" altLang="en-US" sz="1200"/>
+              <a:t>で処理し、最後に全結合させる。</a:t>
+            </a:r>
             <a:br>
               <a:rPr lang="en-US" altLang="ja-JP" sz="1200" dirty="0"/>
             </a:br>
@@ -5156,7 +5221,7 @@
           <p:nvPr/>
         </p:nvPicPr>
         <p:blipFill>
-          <a:blip r:embed="rId2">
+          <a:blip r:embed="rId3">
             <a:extLst>
               <a:ext uri="{28A0092B-C50C-407E-A947-70E740481C1C}">
                 <a14:useLocalDpi xmlns:a14="http://schemas.microsoft.com/office/drawing/2010/main" val="0"/>
@@ -5169,8 +5234,8 @@
         </p:blipFill>
         <p:spPr>
           <a:xfrm>
-            <a:off x="792088" y="1268760"/>
-            <a:ext cx="7812360" cy="4874459"/>
+            <a:off x="792088" y="1628800"/>
+            <a:ext cx="7164288" cy="4470100"/>
           </a:xfrm>
           <a:prstGeom prst="rect">
             <a:avLst/>
@@ -5706,7 +5771,7 @@
         <p:spPr>
           <a:xfrm>
             <a:off x="683568" y="836712"/>
-            <a:ext cx="7776864" cy="5112568"/>
+            <a:ext cx="7776864" cy="5328592"/>
           </a:xfrm>
         </p:spPr>
         <p:txBody>
@@ -5924,18 +5989,77 @@
             </a:br>
             <a:r>
               <a:rPr lang="en-US" altLang="ja-JP" sz="1200" dirty="0"/>
-              <a:t>6-2. </a:t>
-            </a:r>
-            <a:r>
-              <a:rPr lang="ja-JP" altLang="en-US" sz="1200"/>
-              <a:t>学習データとテストデータの分割</a:t>
-            </a:r>
-            <a:br>
-              <a:rPr lang="en-US" altLang="ja-JP" sz="1200" dirty="0"/>
-            </a:br>
-            <a:r>
-              <a:rPr lang="ja-JP" altLang="en-US" sz="1200"/>
-              <a:t>ホールドアウト法により訓練データとテストデータを分割</a:t>
+              <a:t>6-1-3. </a:t>
+            </a:r>
+            <a:r>
+              <a:rPr lang="ja-JP" altLang="en-US" sz="1200"/>
+              <a:t>画像データとラベルデータのマッピング</a:t>
+            </a:r>
+            <a:br>
+              <a:rPr lang="en-US" altLang="ja-JP" sz="1200" dirty="0"/>
+            </a:br>
+            <a:r>
+              <a:rPr lang="ja-JP" altLang="en-US" sz="1200"/>
+              <a:t>「</a:t>
+            </a:r>
+            <a:r>
+              <a:rPr lang="en-US" altLang="ja-JP" sz="1200" dirty="0"/>
+              <a:t>6-1-1</a:t>
+            </a:r>
+            <a:r>
+              <a:rPr lang="ja-JP" altLang="en-US" sz="1200"/>
+              <a:t>」で取り込んだ画像データをカンマフォーマットに変換し、「</a:t>
+            </a:r>
+            <a:r>
+              <a:rPr lang="en-US" altLang="ja-JP" sz="1200" dirty="0"/>
+              <a:t>6-1-2</a:t>
+            </a:r>
+            <a:r>
+              <a:rPr lang="ja-JP" altLang="en-US" sz="1200"/>
+              <a:t>」で取り込んだラベルデータと</a:t>
+            </a:r>
+            <a:r>
+              <a:rPr lang="en-US" altLang="ja-JP" sz="1200" dirty="0"/>
+              <a:t>key(</a:t>
+            </a:r>
+            <a:r>
+              <a:rPr lang="ja-JP" altLang="en-US" sz="1200"/>
+              <a:t>下記</a:t>
+            </a:r>
+            <a:r>
+              <a:rPr lang="en-US" altLang="ja-JP" sz="1200" dirty="0"/>
+              <a:t>)</a:t>
+            </a:r>
+            <a:r>
+              <a:rPr lang="ja-JP" altLang="en-US" sz="1200"/>
+              <a:t>でマッピングさせ結合する。</a:t>
+            </a:r>
+            <a:br>
+              <a:rPr lang="en-US" altLang="ja-JP" sz="1200" dirty="0"/>
+            </a:br>
+            <a:r>
+              <a:rPr lang="en-US" altLang="ja-JP" sz="1200" dirty="0"/>
+              <a:t>key</a:t>
+            </a:r>
+            <a:r>
+              <a:rPr lang="ja-JP" altLang="en-US" sz="1200"/>
+              <a:t>：</a:t>
+            </a:r>
+            <a:r>
+              <a:rPr lang="en-US" altLang="ja-JP" sz="1200" dirty="0"/>
+              <a:t> </a:t>
+            </a:r>
+            <a:r>
+              <a:rPr lang="ja-JP" altLang="en-US" sz="1200"/>
+              <a:t>画像データのファイル名とラベルデータの「</a:t>
+            </a:r>
+            <a:r>
+              <a:rPr lang="en" altLang="ja-JP" sz="1200" dirty="0"/>
+              <a:t>Participant ID</a:t>
+            </a:r>
+            <a:r>
+              <a:rPr lang="ja-JP" altLang="en-US" sz="1200"/>
+              <a:t>」</a:t>
             </a:r>
             <a:br>
               <a:rPr lang="en-US" altLang="ja-JP" sz="1200" dirty="0"/>
@@ -5945,76 +6069,216 @@
               <a:t>・</a:t>
             </a:r>
             <a:r>
-              <a:rPr lang="en-US" altLang="ja-JP" sz="1200" dirty="0"/>
-              <a:t>from </a:t>
-            </a:r>
-            <a:r>
-              <a:rPr lang="en-US" altLang="ja-JP" sz="1200" dirty="0" err="1"/>
-              <a:t>sklearn.model_selection</a:t>
-            </a:r>
-            <a:r>
-              <a:rPr lang="en-US" altLang="ja-JP" sz="1200" dirty="0"/>
-              <a:t> import </a:t>
-            </a:r>
-            <a:r>
-              <a:rPr lang="en-US" altLang="ja-JP" sz="1200" dirty="0" err="1"/>
-              <a:t>train_test_split</a:t>
-            </a:r>
-            <a:br>
-              <a:rPr lang="en-US" altLang="ja-JP" sz="1200" dirty="0"/>
+              <a:rPr lang="en" altLang="ja-JP" sz="1200" dirty="0"/>
+              <a:t>import </a:t>
+            </a:r>
+            <a:r>
+              <a:rPr lang="en" altLang="ja-JP" sz="1200" dirty="0" err="1"/>
+              <a:t>numpy</a:t>
+            </a:r>
+            <a:r>
+              <a:rPr lang="en" altLang="ja-JP" sz="1200" dirty="0"/>
+              <a:t> as np</a:t>
+            </a:r>
+            <a:br>
+              <a:rPr lang="en" altLang="ja-JP" sz="1200" dirty="0"/>
             </a:br>
             <a:r>
               <a:rPr lang="ja-JP" altLang="en-US" sz="1200"/>
               <a:t>・</a:t>
             </a:r>
             <a:r>
-              <a:rPr lang="en-US" altLang="ja-JP" sz="1200" dirty="0" err="1"/>
-              <a:t>X_train</a:t>
-            </a:r>
-            <a:r>
-              <a:rPr lang="en-US" altLang="ja-JP" sz="1200" dirty="0"/>
-              <a:t>, </a:t>
-            </a:r>
-            <a:r>
-              <a:rPr lang="en-US" altLang="ja-JP" sz="1200" dirty="0" err="1"/>
-              <a:t>X_test</a:t>
-            </a:r>
-            <a:r>
-              <a:rPr lang="en-US" altLang="ja-JP" sz="1200" dirty="0"/>
+              <a:rPr lang="en" altLang="ja-JP" sz="1200" dirty="0"/>
+              <a:t>import </a:t>
+            </a:r>
+            <a:r>
+              <a:rPr lang="en" altLang="ja-JP" sz="1200" dirty="0" err="1"/>
+              <a:t>nibabel</a:t>
+            </a:r>
+            <a:r>
+              <a:rPr lang="en" altLang="ja-JP" sz="1200" dirty="0"/>
+              <a:t> as nib</a:t>
+            </a:r>
+            <a:br>
+              <a:rPr lang="en" altLang="ja-JP" sz="1200" dirty="0"/>
+            </a:br>
+            <a:r>
+              <a:rPr lang="ja-JP" altLang="en-US" sz="1200"/>
+              <a:t>・</a:t>
+            </a:r>
+            <a:r>
+              <a:rPr lang="en" altLang="ja-JP" sz="1200" dirty="0" err="1"/>
+              <a:t>nifti_input</a:t>
+            </a:r>
+            <a:r>
+              <a:rPr lang="en" altLang="ja-JP" sz="1200" dirty="0"/>
               <a:t> = </a:t>
             </a:r>
             <a:r>
-              <a:rPr lang="en-US" altLang="ja-JP" sz="1200" dirty="0" err="1"/>
-              <a:t>train_test_split</a:t>
-            </a:r>
-            <a:r>
-              <a:rPr lang="en-US" altLang="ja-JP" sz="1200" dirty="0"/>
+              <a:rPr lang="en" altLang="ja-JP" sz="1200" dirty="0" err="1"/>
+              <a:t>os.path.join</a:t>
+            </a:r>
+            <a:r>
+              <a:rPr lang="en" altLang="ja-JP" sz="1200" dirty="0"/>
+              <a:t>(”</a:t>
+            </a:r>
+            <a:r>
+              <a:rPr lang="en" altLang="ja-JP" sz="1200" dirty="0" err="1"/>
+              <a:t>patient_id.nii.gz</a:t>
+            </a:r>
+            <a:r>
+              <a:rPr lang="en" altLang="ja-JP" sz="1200" dirty="0"/>
+              <a:t>“)</a:t>
+            </a:r>
+            <a:br>
+              <a:rPr lang="en" altLang="ja-JP" sz="1200" dirty="0"/>
+            </a:br>
+            <a:r>
+              <a:rPr lang="ja-JP" altLang="en-US" sz="1200"/>
+              <a:t>・</a:t>
+            </a:r>
+            <a:r>
+              <a:rPr lang="en" altLang="ja-JP" sz="1200" dirty="0" err="1"/>
+              <a:t>nifti_converted</a:t>
+            </a:r>
+            <a:r>
+              <a:rPr lang="en" altLang="ja-JP" sz="1200" dirty="0"/>
+              <a:t> = </a:t>
+            </a:r>
+            <a:r>
+              <a:rPr lang="en" altLang="ja-JP" sz="1200" dirty="0" err="1"/>
+              <a:t>nib.load</a:t>
+            </a:r>
+            <a:r>
+              <a:rPr lang="en" altLang="ja-JP" sz="1200" dirty="0"/>
               <a:t>(</a:t>
             </a:r>
             <a:r>
-              <a:rPr lang="en-US" altLang="ja-JP" sz="1200" dirty="0" err="1"/>
-              <a:t>input_mri</a:t>
-            </a:r>
-            <a:r>
-              <a:rPr lang="en-US" altLang="ja-JP" sz="1200" dirty="0"/>
-              <a:t>, </a:t>
-            </a:r>
-            <a:r>
-              <a:rPr lang="en-US" altLang="ja-JP" sz="1200" dirty="0" err="1"/>
-              <a:t>test_size</a:t>
-            </a:r>
-            <a:r>
-              <a:rPr lang="en-US" altLang="ja-JP" sz="1200" dirty="0"/>
-              <a:t> = 0.2, </a:t>
-            </a:r>
-            <a:r>
-              <a:rPr lang="en-US" altLang="ja-JP" sz="1200" dirty="0" err="1"/>
-              <a:t>random_state</a:t>
-            </a:r>
-            <a:r>
-              <a:rPr lang="en-US" altLang="ja-JP" sz="1200" dirty="0"/>
-              <a:t> = 0)</a:t>
-            </a:r>
+              <a:rPr lang="en" altLang="ja-JP" sz="1200" dirty="0" err="1"/>
+              <a:t>sample_input</a:t>
+            </a:r>
+            <a:r>
+              <a:rPr lang="en" altLang="ja-JP" sz="1200" dirty="0"/>
+              <a:t>)</a:t>
+            </a:r>
+            <a:br>
+              <a:rPr lang="en" altLang="ja-JP" sz="1200" dirty="0"/>
+            </a:br>
+            <a:r>
+              <a:rPr lang="ja-JP" altLang="en-US" sz="1200"/>
+              <a:t>・</a:t>
+            </a:r>
+            <a:r>
+              <a:rPr lang="en" altLang="ja-JP" sz="1200" dirty="0"/>
+              <a:t>array_3d = </a:t>
+            </a:r>
+            <a:r>
+              <a:rPr lang="en" altLang="ja-JP" sz="1200" dirty="0" err="1"/>
+              <a:t>np.array</a:t>
+            </a:r>
+            <a:r>
+              <a:rPr lang="en" altLang="ja-JP" sz="1200" dirty="0"/>
+              <a:t>(</a:t>
+            </a:r>
+            <a:r>
+              <a:rPr lang="en" altLang="ja-JP" sz="1200" dirty="0" err="1"/>
+              <a:t>img.dataobj</a:t>
+            </a:r>
+            <a:r>
+              <a:rPr lang="en" altLang="ja-JP" sz="1200" dirty="0"/>
+              <a:t>)</a:t>
+            </a:r>
+            <a:br>
+              <a:rPr lang="en" altLang="ja-JP" sz="1200" dirty="0"/>
+            </a:br>
+            <a:r>
+              <a:rPr lang="ja-JP" altLang="en-US" sz="1200"/>
+              <a:t>・</a:t>
+            </a:r>
+            <a:r>
+              <a:rPr lang="en" altLang="ja-JP" sz="1200" dirty="0"/>
+              <a:t>array_1d = </a:t>
+            </a:r>
+            <a:r>
+              <a:rPr lang="en" altLang="ja-JP" sz="1200" dirty="0" err="1"/>
+              <a:t>np.reshape</a:t>
+            </a:r>
+            <a:r>
+              <a:rPr lang="en" altLang="ja-JP" sz="1200" dirty="0"/>
+              <a:t>(a, (H * D * W))</a:t>
+            </a:r>
+            <a:br>
+              <a:rPr lang="en" altLang="ja-JP" sz="1200" dirty="0"/>
+            </a:br>
+            <a:r>
+              <a:rPr lang="ja-JP" altLang="en-US" sz="1200"/>
+              <a:t>・</a:t>
+            </a:r>
+            <a:r>
+              <a:rPr lang="en" altLang="ja-JP" sz="1200" dirty="0" err="1"/>
+              <a:t>np.savetxt</a:t>
+            </a:r>
+            <a:r>
+              <a:rPr lang="en" altLang="ja-JP" sz="1200" dirty="0"/>
+              <a:t>("</a:t>
+            </a:r>
+            <a:r>
+              <a:rPr lang="en" altLang="ja-JP" sz="1200" dirty="0" err="1"/>
+              <a:t>patient_id.csv</a:t>
+            </a:r>
+            <a:r>
+              <a:rPr lang="en" altLang="ja-JP" sz="1200" dirty="0"/>
+              <a:t>", array_1d, delimiter = ",")</a:t>
+            </a:r>
+            <a:br>
+              <a:rPr lang="en-US" altLang="ja-JP" sz="1200" dirty="0"/>
+            </a:br>
+            <a:r>
+              <a:rPr lang="en-US" altLang="ja-JP" sz="1200" b="1" dirty="0" err="1">
+                <a:solidFill>
+                  <a:srgbClr val="FF0000"/>
+                </a:solidFill>
+              </a:rPr>
+              <a:t>NIfTI</a:t>
+            </a:r>
+            <a:r>
+              <a:rPr lang="ja-JP" altLang="en-US" sz="1200" b="1">
+                <a:solidFill>
+                  <a:srgbClr val="FF0000"/>
+                </a:solidFill>
+              </a:rPr>
+              <a:t>フォーマットをカンマフォーマットに変換する方法について、</a:t>
+            </a:r>
+            <a:r>
+              <a:rPr lang="en-US" altLang="ja-JP" sz="1200" b="1" dirty="0">
+                <a:solidFill>
+                  <a:srgbClr val="FF0000"/>
+                </a:solidFill>
+              </a:rPr>
+              <a:t>QUORA</a:t>
+            </a:r>
+            <a:r>
+              <a:rPr lang="ja-JP" altLang="en-US" sz="1200" b="1">
+                <a:solidFill>
+                  <a:srgbClr val="FF0000"/>
+                </a:solidFill>
+              </a:rPr>
+              <a:t>で質問中</a:t>
+            </a:r>
+            <a:r>
+              <a:rPr lang="en-US" altLang="ja-JP" sz="1200" b="1" dirty="0">
+                <a:solidFill>
+                  <a:srgbClr val="FF0000"/>
+                </a:solidFill>
+              </a:rPr>
+              <a:t>(5/5)</a:t>
+            </a:r>
+            <a:br>
+              <a:rPr lang="en-US" altLang="ja-JP" sz="1200" dirty="0"/>
+            </a:br>
+            <a:br>
+              <a:rPr lang="en-US" altLang="ja-JP" sz="1200" dirty="0"/>
+            </a:br>
             <a:br>
               <a:rPr lang="en-US" altLang="ja-JP" sz="1200" dirty="0"/>
             </a:br>
@@ -6102,6 +6366,105 @@
           <a:lstStyle/>
           <a:p>
             <a:pPr algn="l"/>
+            <a:r>
+              <a:rPr lang="en-US" altLang="ja-JP" sz="1200" dirty="0"/>
+              <a:t>6-2. </a:t>
+            </a:r>
+            <a:r>
+              <a:rPr lang="ja-JP" altLang="en-US" sz="1200"/>
+              <a:t>学習データとテストデータの分割</a:t>
+            </a:r>
+            <a:br>
+              <a:rPr lang="en-US" altLang="ja-JP" sz="1200" dirty="0"/>
+            </a:br>
+            <a:r>
+              <a:rPr lang="ja-JP" altLang="en-US" sz="1200"/>
+              <a:t>ホールドアウト法により訓練データとテストデータを分割</a:t>
+            </a:r>
+            <a:br>
+              <a:rPr lang="en-US" altLang="ja-JP" sz="1200" dirty="0"/>
+            </a:br>
+            <a:r>
+              <a:rPr lang="ja-JP" altLang="en-US" sz="1200"/>
+              <a:t>・</a:t>
+            </a:r>
+            <a:r>
+              <a:rPr lang="en-US" altLang="ja-JP" sz="1200" dirty="0"/>
+              <a:t>from </a:t>
+            </a:r>
+            <a:r>
+              <a:rPr lang="en-US" altLang="ja-JP" sz="1200" dirty="0" err="1"/>
+              <a:t>sklearn.model_selection</a:t>
+            </a:r>
+            <a:r>
+              <a:rPr lang="en-US" altLang="ja-JP" sz="1200" dirty="0"/>
+              <a:t> import </a:t>
+            </a:r>
+            <a:r>
+              <a:rPr lang="en-US" altLang="ja-JP" sz="1200" dirty="0" err="1"/>
+              <a:t>train_test_split</a:t>
+            </a:r>
+            <a:br>
+              <a:rPr lang="en-US" altLang="ja-JP" sz="1200" dirty="0"/>
+            </a:br>
+            <a:r>
+              <a:rPr lang="ja-JP" altLang="en-US" sz="1200"/>
+              <a:t>・</a:t>
+            </a:r>
+            <a:r>
+              <a:rPr lang="en-US" altLang="ja-JP" sz="1200" dirty="0" err="1"/>
+              <a:t>X_train</a:t>
+            </a:r>
+            <a:r>
+              <a:rPr lang="en-US" altLang="ja-JP" sz="1200" dirty="0"/>
+              <a:t>, </a:t>
+            </a:r>
+            <a:r>
+              <a:rPr lang="en-US" altLang="ja-JP" sz="1200" dirty="0" err="1"/>
+              <a:t>X_test</a:t>
+            </a:r>
+            <a:r>
+              <a:rPr lang="en-US" altLang="ja-JP" sz="1200" dirty="0"/>
+              <a:t> = </a:t>
+            </a:r>
+            <a:r>
+              <a:rPr lang="en-US" altLang="ja-JP" sz="1200" dirty="0" err="1"/>
+              <a:t>train_test_split</a:t>
+            </a:r>
+            <a:r>
+              <a:rPr lang="en-US" altLang="ja-JP" sz="1200" dirty="0"/>
+              <a:t>(</a:t>
+            </a:r>
+            <a:r>
+              <a:rPr lang="en-US" altLang="ja-JP" sz="1200" dirty="0" err="1"/>
+              <a:t>input_mri</a:t>
+            </a:r>
+            <a:r>
+              <a:rPr lang="en-US" altLang="ja-JP" sz="1200" dirty="0"/>
+              <a:t>, </a:t>
+            </a:r>
+            <a:r>
+              <a:rPr lang="en-US" altLang="ja-JP" sz="1200" dirty="0" err="1"/>
+              <a:t>test_size</a:t>
+            </a:r>
+            <a:r>
+              <a:rPr lang="en-US" altLang="ja-JP" sz="1200" dirty="0"/>
+              <a:t> = 0.2, </a:t>
+            </a:r>
+            <a:r>
+              <a:rPr lang="en-US" altLang="ja-JP" sz="1200" dirty="0" err="1"/>
+              <a:t>random_state</a:t>
+            </a:r>
+            <a:r>
+              <a:rPr lang="en-US" altLang="ja-JP" sz="1200" dirty="0"/>
+              <a:t> = 0)</a:t>
+            </a:r>
+            <a:br>
+              <a:rPr lang="en-US" altLang="ja-JP" sz="1200" dirty="0"/>
+            </a:br>
+            <a:br>
+              <a:rPr lang="en-US" altLang="ja-JP" sz="1200" dirty="0"/>
+            </a:br>
             <a:r>
               <a:rPr lang="en-US" altLang="ja-JP" sz="1200" dirty="0"/>
               <a:t>6-3. </a:t>
@@ -7908,4 +8271,299 @@
   <a:objectDefaults/>
   <a:extraClrSchemeLst/>
 </a:theme>
+</file>
+
+<file path=ppt/theme/theme2.xml><?xml version="1.0" encoding="utf-8"?>
+<a:theme xmlns:a="http://schemas.openxmlformats.org/drawingml/2006/main" name="Office テーマ">
+  <a:themeElements>
+    <a:clrScheme name="Office">
+      <a:dk1>
+        <a:sysClr val="windowText" lastClr="000000"/>
+      </a:dk1>
+      <a:lt1>
+        <a:sysClr val="window" lastClr="FFFFFF"/>
+      </a:lt1>
+      <a:dk2>
+        <a:srgbClr val="44546A"/>
+      </a:dk2>
+      <a:lt2>
+        <a:srgbClr val="E7E6E6"/>
+      </a:lt2>
+      <a:accent1>
+        <a:srgbClr val="4472C4"/>
+      </a:accent1>
+      <a:accent2>
+        <a:srgbClr val="ED7D31"/>
+      </a:accent2>
+      <a:accent3>
+        <a:srgbClr val="A5A5A5"/>
+      </a:accent3>
+      <a:accent4>
+        <a:srgbClr val="FFC000"/>
+      </a:accent4>
+      <a:accent5>
+        <a:srgbClr val="5B9BD5"/>
+      </a:accent5>
+      <a:accent6>
+        <a:srgbClr val="70AD47"/>
+      </a:accent6>
+      <a:hlink>
+        <a:srgbClr val="0563C1"/>
+      </a:hlink>
+      <a:folHlink>
+        <a:srgbClr val="954F72"/>
+      </a:folHlink>
+    </a:clrScheme>
+    <a:fontScheme name="Office">
+      <a:majorFont>
+        <a:latin typeface="游ゴシック Light" panose="020F0302020204030204"/>
+        <a:ea typeface=""/>
+        <a:cs typeface=""/>
+        <a:font script="Jpan" typeface="游ゴシック Light"/>
+        <a:font script="Hang" typeface="맑은 고딕"/>
+        <a:font script="Hans" typeface="等线 Light"/>
+        <a:font script="Hant" typeface="新細明體"/>
+        <a:font script="Arab" typeface="Times New Roman"/>
+        <a:font script="Hebr" typeface="Times New Roman"/>
+        <a:font script="Thai" typeface="Angsana New"/>
+        <a:font script="Ethi" typeface="Nyala"/>
+        <a:font script="Beng" typeface="Vrinda"/>
+        <a:font script="Gujr" typeface="Shruti"/>
+        <a:font script="Khmr" typeface="MoolBoran"/>
+        <a:font script="Knda" typeface="Tunga"/>
+        <a:font script="Guru" typeface="Raavi"/>
+        <a:font script="Cans" typeface="Euphemia"/>
+        <a:font script="Cher" typeface="Plantagenet Cherokee"/>
+        <a:font script="Yiii" typeface="Microsoft Yi Baiti"/>
+        <a:font script="Tibt" typeface="Microsoft Himalaya"/>
+        <a:font script="Thaa" typeface="MV Boli"/>
+        <a:font script="Deva" typeface="Mangal"/>
+        <a:font script="Telu" typeface="Gautami"/>
+        <a:font script="Taml" typeface="Latha"/>
+        <a:font script="Syrc" typeface="Estrangelo Edessa"/>
+        <a:font script="Orya" typeface="Kalinga"/>
+        <a:font script="Mlym" typeface="Kartika"/>
+        <a:font script="Laoo" typeface="DokChampa"/>
+        <a:font script="Sinh" typeface="Iskoola Pota"/>
+        <a:font script="Mong" typeface="Mongolian Baiti"/>
+        <a:font script="Viet" typeface="Times New Roman"/>
+        <a:font script="Uigh" typeface="Microsoft Uighur"/>
+        <a:font script="Geor" typeface="Sylfaen"/>
+        <a:font script="Armn" typeface="Arial"/>
+        <a:font script="Bugi" typeface="Leelawadee UI"/>
+        <a:font script="Bopo" typeface="Microsoft JhengHei"/>
+        <a:font script="Java" typeface="Javanese Text"/>
+        <a:font script="Lisu" typeface="Segoe UI"/>
+        <a:font script="Mymr" typeface="Myanmar Text"/>
+        <a:font script="Nkoo" typeface="Ebrima"/>
+        <a:font script="Olck" typeface="Nirmala UI"/>
+        <a:font script="Osma" typeface="Ebrima"/>
+        <a:font script="Phag" typeface="Phagspa"/>
+        <a:font script="Syrn" typeface="Estrangelo Edessa"/>
+        <a:font script="Syrj" typeface="Estrangelo Edessa"/>
+        <a:font script="Syre" typeface="Estrangelo Edessa"/>
+        <a:font script="Sora" typeface="Nirmala UI"/>
+        <a:font script="Tale" typeface="Microsoft Tai Le"/>
+        <a:font script="Talu" typeface="Microsoft New Tai Lue"/>
+        <a:font script="Tfng" typeface="Ebrima"/>
+      </a:majorFont>
+      <a:minorFont>
+        <a:latin typeface="游ゴシック" panose="020F0502020204030204"/>
+        <a:ea typeface=""/>
+        <a:cs typeface=""/>
+        <a:font script="Jpan" typeface="游ゴシック"/>
+        <a:font script="Hang" typeface="맑은 고딕"/>
+        <a:font script="Hans" typeface="等线"/>
+        <a:font script="Hant" typeface="新細明體"/>
+        <a:font script="Arab" typeface="Arial"/>
+        <a:font script="Hebr" typeface="Arial"/>
+        <a:font script="Thai" typeface="Cordia New"/>
+        <a:font script="Ethi" typeface="Nyala"/>
+        <a:font script="Beng" typeface="Vrinda"/>
+        <a:font script="Gujr" typeface="Shruti"/>
+        <a:font script="Khmr" typeface="DaunPenh"/>
+        <a:font script="Knda" typeface="Tunga"/>
+        <a:font script="Guru" typeface="Raavi"/>
+        <a:font script="Cans" typeface="Euphemia"/>
+        <a:font script="Cher" typeface="Plantagenet Cherokee"/>
+        <a:font script="Yiii" typeface="Microsoft Yi Baiti"/>
+        <a:font script="Tibt" typeface="Microsoft Himalaya"/>
+        <a:font script="Thaa" typeface="MV Boli"/>
+        <a:font script="Deva" typeface="Mangal"/>
+        <a:font script="Telu" typeface="Gautami"/>
+        <a:font script="Taml" typeface="Latha"/>
+        <a:font script="Syrc" typeface="Estrangelo Edessa"/>
+        <a:font script="Orya" typeface="Kalinga"/>
+        <a:font script="Mlym" typeface="Kartika"/>
+        <a:font script="Laoo" typeface="DokChampa"/>
+        <a:font script="Sinh" typeface="Iskoola Pota"/>
+        <a:font script="Mong" typeface="Mongolian Baiti"/>
+        <a:font script="Viet" typeface="Arial"/>
+        <a:font script="Uigh" typeface="Microsoft Uighur"/>
+        <a:font script="Geor" typeface="Sylfaen"/>
+        <a:font script="Armn" typeface="Arial"/>
+        <a:font script="Bugi" typeface="Leelawadee UI"/>
+        <a:font script="Bopo" typeface="Microsoft JhengHei"/>
+        <a:font script="Java" typeface="Javanese Text"/>
+        <a:font script="Lisu" typeface="Segoe UI"/>
+        <a:font script="Mymr" typeface="Myanmar Text"/>
+        <a:font script="Nkoo" typeface="Ebrima"/>
+        <a:font script="Olck" typeface="Nirmala UI"/>
+        <a:font script="Osma" typeface="Ebrima"/>
+        <a:font script="Phag" typeface="Phagspa"/>
+        <a:font script="Syrn" typeface="Estrangelo Edessa"/>
+        <a:font script="Syrj" typeface="Estrangelo Edessa"/>
+        <a:font script="Syre" typeface="Estrangelo Edessa"/>
+        <a:font script="Sora" typeface="Nirmala UI"/>
+        <a:font script="Tale" typeface="Microsoft Tai Le"/>
+        <a:font script="Talu" typeface="Microsoft New Tai Lue"/>
+        <a:font script="Tfng" typeface="Ebrima"/>
+      </a:minorFont>
+    </a:fontScheme>
+    <a:fmtScheme name="Office">
+      <a:fillStyleLst>
+        <a:solidFill>
+          <a:schemeClr val="phClr"/>
+        </a:solidFill>
+        <a:gradFill rotWithShape="1">
+          <a:gsLst>
+            <a:gs pos="0">
+              <a:schemeClr val="phClr">
+                <a:lumMod val="110000"/>
+                <a:satMod val="105000"/>
+                <a:tint val="67000"/>
+              </a:schemeClr>
+            </a:gs>
+            <a:gs pos="50000">
+              <a:schemeClr val="phClr">
+                <a:lumMod val="105000"/>
+                <a:satMod val="103000"/>
+                <a:tint val="73000"/>
+              </a:schemeClr>
+            </a:gs>
+            <a:gs pos="100000">
+              <a:schemeClr val="phClr">
+                <a:lumMod val="105000"/>
+                <a:satMod val="109000"/>
+                <a:tint val="81000"/>
+              </a:schemeClr>
+            </a:gs>
+          </a:gsLst>
+          <a:lin ang="5400000" scaled="0"/>
+        </a:gradFill>
+        <a:gradFill rotWithShape="1">
+          <a:gsLst>
+            <a:gs pos="0">
+              <a:schemeClr val="phClr">
+                <a:satMod val="103000"/>
+                <a:lumMod val="102000"/>
+                <a:tint val="94000"/>
+              </a:schemeClr>
+            </a:gs>
+            <a:gs pos="50000">
+              <a:schemeClr val="phClr">
+                <a:satMod val="110000"/>
+                <a:lumMod val="100000"/>
+                <a:shade val="100000"/>
+              </a:schemeClr>
+            </a:gs>
+            <a:gs pos="100000">
+              <a:schemeClr val="phClr">
+                <a:lumMod val="99000"/>
+                <a:satMod val="120000"/>
+                <a:shade val="78000"/>
+              </a:schemeClr>
+            </a:gs>
+          </a:gsLst>
+          <a:lin ang="5400000" scaled="0"/>
+        </a:gradFill>
+      </a:fillStyleLst>
+      <a:lnStyleLst>
+        <a:ln w="6350" cap="flat" cmpd="sng" algn="ctr">
+          <a:solidFill>
+            <a:schemeClr val="phClr"/>
+          </a:solidFill>
+          <a:prstDash val="solid"/>
+          <a:miter lim="800000"/>
+        </a:ln>
+        <a:ln w="12700" cap="flat" cmpd="sng" algn="ctr">
+          <a:solidFill>
+            <a:schemeClr val="phClr"/>
+          </a:solidFill>
+          <a:prstDash val="solid"/>
+          <a:miter lim="800000"/>
+        </a:ln>
+        <a:ln w="19050" cap="flat" cmpd="sng" algn="ctr">
+          <a:solidFill>
+            <a:schemeClr val="phClr"/>
+          </a:solidFill>
+          <a:prstDash val="solid"/>
+          <a:miter lim="800000"/>
+        </a:ln>
+      </a:lnStyleLst>
+      <a:effectStyleLst>
+        <a:effectStyle>
+          <a:effectLst/>
+        </a:effectStyle>
+        <a:effectStyle>
+          <a:effectLst/>
+        </a:effectStyle>
+        <a:effectStyle>
+          <a:effectLst>
+            <a:outerShdw blurRad="57150" dist="19050" dir="5400000" algn="ctr" rotWithShape="0">
+              <a:srgbClr val="000000">
+                <a:alpha val="63000"/>
+              </a:srgbClr>
+            </a:outerShdw>
+          </a:effectLst>
+        </a:effectStyle>
+      </a:effectStyleLst>
+      <a:bgFillStyleLst>
+        <a:solidFill>
+          <a:schemeClr val="phClr"/>
+        </a:solidFill>
+        <a:solidFill>
+          <a:schemeClr val="phClr">
+            <a:tint val="95000"/>
+            <a:satMod val="170000"/>
+          </a:schemeClr>
+        </a:solidFill>
+        <a:gradFill rotWithShape="1">
+          <a:gsLst>
+            <a:gs pos="0">
+              <a:schemeClr val="phClr">
+                <a:tint val="93000"/>
+                <a:satMod val="150000"/>
+                <a:shade val="98000"/>
+                <a:lumMod val="102000"/>
+              </a:schemeClr>
+            </a:gs>
+            <a:gs pos="50000">
+              <a:schemeClr val="phClr">
+                <a:tint val="98000"/>
+                <a:satMod val="130000"/>
+                <a:shade val="90000"/>
+                <a:lumMod val="103000"/>
+              </a:schemeClr>
+            </a:gs>
+            <a:gs pos="100000">
+              <a:schemeClr val="phClr">
+                <a:shade val="63000"/>
+                <a:satMod val="120000"/>
+              </a:schemeClr>
+            </a:gs>
+          </a:gsLst>
+          <a:lin ang="5400000" scaled="0"/>
+        </a:gradFill>
+      </a:bgFillStyleLst>
+    </a:fmtScheme>
+  </a:themeElements>
+  <a:objectDefaults/>
+  <a:extraClrSchemeLst/>
+  <a:extLst>
+    <a:ext uri="{05A4C25C-085E-4340-85A3-A5531E510DB2}">
+      <thm15:themeFamily xmlns:thm15="http://schemas.microsoft.com/office/thememl/2012/main" name="Office Theme" id="{62F939B6-93AF-4DB8-9C6B-D6C7DFDC589F}" vid="{4A3C46E8-61CC-4603-A589-7422A47A8E4A}"/>
+    </a:ext>
+  </a:extLst>
+</a:theme>
 </file>
--- a/presentation/システム設計書_MRI画像によるADHD予測システム_学習モデル.pptx
+++ b/presentation/システム設計書_MRI画像によるADHD予測システム_学習モデル.pptx
@@ -217,7 +217,7 @@
           <a:p>
             <a:fld id="{335E9F00-1CA1-FC47-8555-9C8963B854A3}" type="datetimeFigureOut">
               <a:rPr kumimoji="1" lang="ja-JP" altLang="en-US" smtClean="0"/>
-              <a:t>2018/5/5</a:t>
+              <a:t>2018/5/6</a:t>
             </a:fld>
             <a:endParaRPr kumimoji="1" lang="ja-JP" altLang="en-US"/>
           </a:p>
@@ -947,7 +947,7 @@
           <a:p>
             <a:fld id="{E90ED720-0104-4369-84BC-D37694168613}" type="datetimeFigureOut">
               <a:rPr kumimoji="1" lang="ja-JP" altLang="en-US" smtClean="0"/>
-              <a:t>2018/5/5</a:t>
+              <a:t>2018/5/6</a:t>
             </a:fld>
             <a:endParaRPr kumimoji="1" lang="ja-JP" altLang="en-US"/>
           </a:p>
@@ -1142,7 +1142,7 @@
           <a:p>
             <a:fld id="{E90ED720-0104-4369-84BC-D37694168613}" type="datetimeFigureOut">
               <a:rPr kumimoji="1" lang="ja-JP" altLang="en-US" smtClean="0"/>
-              <a:t>2018/5/5</a:t>
+              <a:t>2018/5/6</a:t>
             </a:fld>
             <a:endParaRPr kumimoji="1" lang="ja-JP" altLang="en-US"/>
           </a:p>
@@ -1347,7 +1347,7 @@
           <a:p>
             <a:fld id="{E90ED720-0104-4369-84BC-D37694168613}" type="datetimeFigureOut">
               <a:rPr kumimoji="1" lang="ja-JP" altLang="en-US" smtClean="0"/>
-              <a:t>2018/5/5</a:t>
+              <a:t>2018/5/6</a:t>
             </a:fld>
             <a:endParaRPr kumimoji="1" lang="ja-JP" altLang="en-US"/>
           </a:p>
@@ -1542,7 +1542,7 @@
           <a:p>
             <a:fld id="{E90ED720-0104-4369-84BC-D37694168613}" type="datetimeFigureOut">
               <a:rPr kumimoji="1" lang="ja-JP" altLang="en-US" smtClean="0"/>
-              <a:t>2018/5/5</a:t>
+              <a:t>2018/5/6</a:t>
             </a:fld>
             <a:endParaRPr kumimoji="1" lang="ja-JP" altLang="en-US"/>
           </a:p>
@@ -1782,7 +1782,7 @@
           <a:p>
             <a:fld id="{E90ED720-0104-4369-84BC-D37694168613}" type="datetimeFigureOut">
               <a:rPr kumimoji="1" lang="ja-JP" altLang="en-US" smtClean="0"/>
-              <a:t>2018/5/5</a:t>
+              <a:t>2018/5/6</a:t>
             </a:fld>
             <a:endParaRPr kumimoji="1" lang="ja-JP" altLang="en-US"/>
           </a:p>
@@ -2126,7 +2126,7 @@
           <a:p>
             <a:fld id="{E90ED720-0104-4369-84BC-D37694168613}" type="datetimeFigureOut">
               <a:rPr kumimoji="1" lang="ja-JP" altLang="en-US" smtClean="0"/>
-              <a:t>2018/5/5</a:t>
+              <a:t>2018/5/6</a:t>
             </a:fld>
             <a:endParaRPr kumimoji="1" lang="ja-JP" altLang="en-US"/>
           </a:p>
@@ -2604,7 +2604,7 @@
           <a:p>
             <a:fld id="{E90ED720-0104-4369-84BC-D37694168613}" type="datetimeFigureOut">
               <a:rPr kumimoji="1" lang="ja-JP" altLang="en-US" smtClean="0"/>
-              <a:t>2018/5/5</a:t>
+              <a:t>2018/5/6</a:t>
             </a:fld>
             <a:endParaRPr kumimoji="1" lang="ja-JP" altLang="en-US"/>
           </a:p>
@@ -2716,7 +2716,7 @@
           <a:p>
             <a:fld id="{E90ED720-0104-4369-84BC-D37694168613}" type="datetimeFigureOut">
               <a:rPr kumimoji="1" lang="ja-JP" altLang="en-US" smtClean="0"/>
-              <a:t>2018/5/5</a:t>
+              <a:t>2018/5/6</a:t>
             </a:fld>
             <a:endParaRPr kumimoji="1" lang="ja-JP" altLang="en-US"/>
           </a:p>
@@ -2806,7 +2806,7 @@
           <a:p>
             <a:fld id="{E90ED720-0104-4369-84BC-D37694168613}" type="datetimeFigureOut">
               <a:rPr kumimoji="1" lang="ja-JP" altLang="en-US" smtClean="0"/>
-              <a:t>2018/5/5</a:t>
+              <a:t>2018/5/6</a:t>
             </a:fld>
             <a:endParaRPr kumimoji="1" lang="ja-JP" altLang="en-US"/>
           </a:p>
@@ -3108,7 +3108,7 @@
           <a:p>
             <a:fld id="{E90ED720-0104-4369-84BC-D37694168613}" type="datetimeFigureOut">
               <a:rPr kumimoji="1" lang="ja-JP" altLang="en-US" smtClean="0"/>
-              <a:t>2018/5/5</a:t>
+              <a:t>2018/5/6</a:t>
             </a:fld>
             <a:endParaRPr kumimoji="1" lang="ja-JP" altLang="en-US"/>
           </a:p>
@@ -3355,7 +3355,7 @@
           <a:p>
             <a:fld id="{E90ED720-0104-4369-84BC-D37694168613}" type="datetimeFigureOut">
               <a:rPr kumimoji="1" lang="ja-JP" altLang="en-US" smtClean="0"/>
-              <a:t>2018/5/5</a:t>
+              <a:t>2018/5/6</a:t>
             </a:fld>
             <a:endParaRPr kumimoji="1" lang="ja-JP" altLang="en-US"/>
           </a:p>
@@ -3593,7 +3593,7 @@
           <a:p>
             <a:fld id="{E90ED720-0104-4369-84BC-D37694168613}" type="datetimeFigureOut">
               <a:rPr kumimoji="1" lang="ja-JP" altLang="en-US" smtClean="0"/>
-              <a:t>2018/5/5</a:t>
+              <a:t>2018/5/6</a:t>
             </a:fld>
             <a:endParaRPr kumimoji="1" lang="ja-JP" altLang="en-US"/>
           </a:p>
@@ -5208,10 +5208,10 @@
       </p:sp>
       <p:pic>
         <p:nvPicPr>
-          <p:cNvPr id="26" name="図 25">
+          <p:cNvPr id="4" name="図 3">
             <a:extLst>
               <a:ext uri="{FF2B5EF4-FFF2-40B4-BE49-F238E27FC236}">
-                <a16:creationId xmlns:a16="http://schemas.microsoft.com/office/drawing/2014/main" id="{1C93B878-6600-1540-90A6-FDE29B87EAC4}"/>
+                <a16:creationId xmlns:a16="http://schemas.microsoft.com/office/drawing/2014/main" id="{6D07697E-F2F7-A947-9F5A-840375112E6E}"/>
               </a:ext>
             </a:extLst>
           </p:cNvPr>
@@ -5234,8 +5234,8 @@
         </p:blipFill>
         <p:spPr>
           <a:xfrm>
-            <a:off x="792088" y="1628800"/>
-            <a:ext cx="7164288" cy="4470100"/>
+            <a:off x="792088" y="1610593"/>
+            <a:ext cx="7380312" cy="4597134"/>
           </a:xfrm>
           <a:prstGeom prst="rect">
             <a:avLst/>
